--- a/lecture_notes/week1/225_overview.pptx
+++ b/lecture_notes/week1/225_overview.pptx
@@ -7,20 +7,19 @@
   <p:sldIdLst>
     <p:sldId id="267" r:id="rId2"/>
     <p:sldId id="256" r:id="rId3"/>
-    <p:sldId id="266" r:id="rId4"/>
-    <p:sldId id="257" r:id="rId5"/>
-    <p:sldId id="258" r:id="rId6"/>
-    <p:sldId id="264" r:id="rId7"/>
-    <p:sldId id="260" r:id="rId8"/>
-    <p:sldId id="261" r:id="rId9"/>
-    <p:sldId id="259" r:id="rId10"/>
+    <p:sldId id="257" r:id="rId4"/>
+    <p:sldId id="264" r:id="rId5"/>
+    <p:sldId id="260" r:id="rId6"/>
+    <p:sldId id="261" r:id="rId7"/>
+    <p:sldId id="259" r:id="rId8"/>
+    <p:sldId id="258" r:id="rId9"/>
+    <p:sldId id="266" r:id="rId10"/>
     <p:sldId id="262" r:id="rId11"/>
     <p:sldId id="263" r:id="rId12"/>
     <p:sldId id="265" r:id="rId13"/>
-    <p:sldId id="268" r:id="rId14"/>
   </p:sldIdLst>
   <p:sldSz cx="12192000" cy="6858000"/>
-  <p:notesSz cx="6858000" cy="9144000"/>
+  <p:notesSz cx="7010400" cy="9296400"/>
   <p:defaultTextStyle>
     <a:defPPr>
       <a:defRPr lang="en-US"/>
@@ -124,8 +123,84 @@
 </p:presentation>
 </file>
 
+<file path=ppt/revisionInfo.xml><?xml version="1.0" encoding="utf-8"?>
+<p1510:revInfo xmlns:a="http://schemas.openxmlformats.org/drawingml/2006/main" xmlns:r="http://schemas.openxmlformats.org/officeDocument/2006/relationships" xmlns:p1510="http://schemas.microsoft.com/office/powerpoint/2015/10/main">
+  <p1510:revLst>
+    <p1510:client id="{C1FE19A5-D397-4329-8116-0599C150F614}" v="2" dt="2023-09-06T22:48:56.600"/>
+  </p1510:revLst>
+</p1510:revInfo>
+</file>
+
 <file path=ppt/changesInfos/changesInfo1.xml><?xml version="1.0" encoding="utf-8"?>
 <pc:chgInfo xmlns:a="http://schemas.openxmlformats.org/drawingml/2006/main" xmlns:r="http://schemas.openxmlformats.org/officeDocument/2006/relationships" xmlns:ac="http://schemas.microsoft.com/office/drawing/2013/main/command" xmlns:pc="http://schemas.microsoft.com/office/powerpoint/2013/main/command">
+  <pc:docChgLst>
+    <pc:chgData name="Toby Donaldson" userId="2e6e5431-bb17-4c41-9985-d39c50d83c73" providerId="ADAL" clId="{C1FE19A5-D397-4329-8116-0599C150F614}"/>
+    <pc:docChg chg="delSld modSld sldOrd">
+      <pc:chgData name="Toby Donaldson" userId="2e6e5431-bb17-4c41-9985-d39c50d83c73" providerId="ADAL" clId="{C1FE19A5-D397-4329-8116-0599C150F614}" dt="2023-09-06T22:48:56.600" v="7"/>
+      <pc:docMkLst>
+        <pc:docMk/>
+      </pc:docMkLst>
+      <pc:sldChg chg="addSp">
+        <pc:chgData name="Toby Donaldson" userId="2e6e5431-bb17-4c41-9985-d39c50d83c73" providerId="ADAL" clId="{C1FE19A5-D397-4329-8116-0599C150F614}" dt="2023-09-06T22:48:56.600" v="7"/>
+        <pc:sldMkLst>
+          <pc:docMk/>
+          <pc:sldMk cId="2626597881" sldId="256"/>
+        </pc:sldMkLst>
+        <pc:inkChg chg="add">
+          <ac:chgData name="Toby Donaldson" userId="2e6e5431-bb17-4c41-9985-d39c50d83c73" providerId="ADAL" clId="{C1FE19A5-D397-4329-8116-0599C150F614}" dt="2023-09-06T22:48:56.600" v="7"/>
+          <ac:inkMkLst>
+            <pc:docMk/>
+            <pc:sldMk cId="2626597881" sldId="256"/>
+            <ac:inkMk id="2" creationId="{9CE765F9-6270-44B5-4706-FDDE61C032DD}"/>
+          </ac:inkMkLst>
+        </pc:inkChg>
+      </pc:sldChg>
+      <pc:sldChg chg="ord">
+        <pc:chgData name="Toby Donaldson" userId="2e6e5431-bb17-4c41-9985-d39c50d83c73" providerId="ADAL" clId="{C1FE19A5-D397-4329-8116-0599C150F614}" dt="2023-09-06T20:21:54.306" v="3"/>
+        <pc:sldMkLst>
+          <pc:docMk/>
+          <pc:sldMk cId="1048924034" sldId="258"/>
+        </pc:sldMkLst>
+      </pc:sldChg>
+      <pc:sldChg chg="ord">
+        <pc:chgData name="Toby Donaldson" userId="2e6e5431-bb17-4c41-9985-d39c50d83c73" providerId="ADAL" clId="{C1FE19A5-D397-4329-8116-0599C150F614}" dt="2023-09-06T20:20:59.173" v="1"/>
+        <pc:sldMkLst>
+          <pc:docMk/>
+          <pc:sldMk cId="494177007" sldId="266"/>
+        </pc:sldMkLst>
+      </pc:sldChg>
+      <pc:sldChg chg="modSp mod">
+        <pc:chgData name="Toby Donaldson" userId="2e6e5431-bb17-4c41-9985-d39c50d83c73" providerId="ADAL" clId="{C1FE19A5-D397-4329-8116-0599C150F614}" dt="2023-09-06T22:27:25.279" v="6" actId="20577"/>
+        <pc:sldMkLst>
+          <pc:docMk/>
+          <pc:sldMk cId="782405148" sldId="267"/>
+        </pc:sldMkLst>
+        <pc:spChg chg="mod">
+          <ac:chgData name="Toby Donaldson" userId="2e6e5431-bb17-4c41-9985-d39c50d83c73" providerId="ADAL" clId="{C1FE19A5-D397-4329-8116-0599C150F614}" dt="2023-09-06T22:27:25.279" v="6" actId="20577"/>
+          <ac:spMkLst>
+            <pc:docMk/>
+            <pc:sldMk cId="782405148" sldId="267"/>
+            <ac:spMk id="5" creationId="{96E7A17F-D1E0-551D-8211-14485E3ECE8A}"/>
+          </ac:spMkLst>
+        </pc:spChg>
+      </pc:sldChg>
+      <pc:sldChg chg="modSp del mod">
+        <pc:chgData name="Toby Donaldson" userId="2e6e5431-bb17-4c41-9985-d39c50d83c73" providerId="ADAL" clId="{C1FE19A5-D397-4329-8116-0599C150F614}" dt="2023-09-06T21:49:32.642" v="5" actId="2696"/>
+        <pc:sldMkLst>
+          <pc:docMk/>
+          <pc:sldMk cId="3311019704" sldId="268"/>
+        </pc:sldMkLst>
+        <pc:picChg chg="mod">
+          <ac:chgData name="Toby Donaldson" userId="2e6e5431-bb17-4c41-9985-d39c50d83c73" providerId="ADAL" clId="{C1FE19A5-D397-4329-8116-0599C150F614}" dt="2023-09-06T20:22:16.471" v="4" actId="1076"/>
+          <ac:picMkLst>
+            <pc:docMk/>
+            <pc:sldMk cId="3311019704" sldId="268"/>
+            <ac:picMk id="3" creationId="{BB445FAB-0185-A419-CAA9-6206A5620C48}"/>
+          </ac:picMkLst>
+        </pc:picChg>
+      </pc:sldChg>
+    </pc:docChg>
+  </pc:docChgLst>
   <pc:docChgLst>
     <pc:chgData name="Toby Donaldson" userId="2e6e5431-bb17-4c41-9985-d39c50d83c73" providerId="ADAL" clId="{A166CBAB-8C11-46F8-A485-830BAA891634}"/>
     <pc:docChg chg="modSld">
@@ -2450,6 +2525,51 @@
     </pc:docChg>
   </pc:docChgLst>
 </pc:chgInfo>
+</file>
+
+<file path=ppt/ink/ink1.xml><?xml version="1.0" encoding="utf-8"?>
+<inkml:ink xmlns:inkml="http://www.w3.org/2003/InkML">
+  <inkml:definitions>
+    <inkml:context xml:id="ctx0">
+      <inkml:inkSource xml:id="inkSrc0">
+        <inkml:traceFormat>
+          <inkml:channel name="X" type="integer" max="30347" units="cm"/>
+          <inkml:channel name="Y" type="integer" max="20231" units="cm"/>
+          <inkml:channel name="F" type="integer" max="65535" units="dev"/>
+          <inkml:channel name="T" type="integer" max="2.14748E9" units="dev"/>
+        </inkml:traceFormat>
+        <inkml:channelProperties>
+          <inkml:channelProperty channel="X" name="resolution" value="1000.23071" units="1/cm"/>
+          <inkml:channelProperty channel="Y" name="resolution" value="1000.04944" units="1/cm"/>
+          <inkml:channelProperty channel="F" name="resolution" value="0" units="1/dev"/>
+          <inkml:channelProperty channel="T" name="resolution" value="1" units="1/dev"/>
+        </inkml:channelProperties>
+      </inkml:inkSource>
+      <inkml:timestamp xml:id="ts0" timeString="2023-09-06T22:32:14.967"/>
+    </inkml:context>
+    <inkml:brush xml:id="br0">
+      <inkml:brushProperty name="width" value="0.05292" units="cm"/>
+      <inkml:brushProperty name="height" value="0.05292" units="cm"/>
+      <inkml:brushProperty name="color" value="#FF0000"/>
+    </inkml:brush>
+  </inkml:definitions>
+  <inkml:trace contextRef="#ctx0" brushRef="#br0">8845 14115 1839 0,'-12'5'160'0,"7"-1"-160"0,-1-2 0 0,6 3 0 16,-3-3 752-16,3-1 112 0,3-1 32 0,-3 5 0 16,0 2 512-16,0 6 128 0,2 1 0 0,-2 3 16 15,0 0 336-15,0 3 64 0,-2-3 16 0,2 4 0 16,0-2-208-16,0-2-32 0,0 1-16 0,0 3 0 15,2-2-1008-15,2 2-208 0,-1-2-48 0,2-2 0 16,-1 4-320-16,1-2-128 0,5 2 0 0,-3 0 0 16,2-2 0-16,-5 8 128 0,1-1-128 0,0 0 0 0,-1-2 0 15,-3 2-128-15,3 7 128 0,-4 1-208 0,3 0 208 16,-3 6-144-16,2 2 144 0,-2 0-128 0,3-2 128 16,-3-2 0-16,0-1 0 0,0-2-128 0,2 0 128 0,-2-6 0 15,2-1 0-15,3-7 128 16,-3-7-128-16,5-5 0 0,-2-4 0 0,-5-5 0 0,0 0 0 15,0 0 128-15,0 0-128 0,65-52 0 0,-65 52 0 0,33-68 0 16,-16 24 0-16,-1-5 0 0,-2 1 0 0,0-5 0 16,3 1 0-16,-5 2 0 0,4-3 240 0,1-8-32 15,1-1 0-15,3-3 0 0,0 3-208 0,1 4 0 16,-2 6 0-16,0 12 0 0,-20 40 0 0,35-58 0 0,-35 58 0 0,0 0 0 31,0 0-640-31,0 0-80 0,0 0-16 0,0 0-6496 0,0 0-1312 0</inkml:trace>
+  <inkml:trace contextRef="#ctx0" brushRef="#br0" timeOffset="417.11">9525 14733 14735 0,'1'18'640'0,"6"-8"160"0,-7-10-640 0,0 0-160 0,0 0 0 0,0 0 0 0,0 0 1328 0,0 0 224 15,98-15 48-15,-98 15 16 0,87-32-624 0,-87 32-128 16,89-38-32-16,-89 38 0 0,78-37-384 0,-78 37-64 16,75-34-32-16,-75 34 0 0,0 0-176 0,103-35-48 15,-103 35 0-15,0 0 0 0,92-16 192 0,-92 16 16 0,0 0 16 0,75-7 0 16,-75 7 128-16,0 0 32 0,0 0 0 0,0 0 0 16,75-12-128-16,-75 12-32 0,0 0 0 0,0 0 0 15,2-18 112-15,-9 17 32 0,-5-3 0 0,-6-1 0 16,1 1 128-16,-6-1 16 0,1-2 16 0,-4 4 0 15,-6-2-480-15,3-1-176 0,1 3 0 0,-2 3 144 16,0 5-144-16,6 4-144 0,-2 1 144 0,0 8-208 16,3 1-128-16,0 3-32 0,6 5 0 0,1 2 0 15,2-4 224-15,6 1 144 0,-1 0-192 0,5 3 192 16,3-1 0-16,-4 4 0 0,10 1 128 0,-2-5-128 16,2 3 464-16,4-5 0 0,2 4 0 0,1-4 0 0,0-2 0 15,4-3 0-15,-1 5 0 0,3-5 0 0,-3-2-336 0,5-1-128 31,-20-18 0-31,0 0 144 0,54 26-480 0,-54-26-112 0,0 0 0 0,0 0-9872 16,78-4-1968-16</inkml:trace>
+  <inkml:trace contextRef="#ctx0" brushRef="#br0" timeOffset="718.58">10954 14706 4607 0,'0'0'192'0,"0"0"64"0,74-25-256 0,-74 25 0 0,0 0 0 0,0 0 0 15,0 0 304-15,0 0 16 0,81-42 0 0,-81 42 0 16,0 0-320-16,62-41 0 0,-62 41 0 0,0 0 0 16,0 0 1088-16,-7-14 224 0,-5 19 32 0,-10 7 16 15,-3 5 544-15,-3 3 96 0,-3 4 32 0,-4 2 0 16,0 0-800-16,-5 2-144 0,5 0-48 0,4-2 0 16,0 4-240-16,4-2-48 0,1-2-16 0,4 0 0 15,-1 0-384-15,4 5-80 0,3-1-16 0,4 1 0 0,-2 9 176 16,5 0 16-16,1 0 16 0,4 9 0 0,2 2 528 15,4 3 96-15,3 0 32 0,4-2 0 0,3-3-416 0,6-9-96 16,1-2-16-16,7-8 0 0,7-6-368 0,-33-24-80 16,89 26-16-16,-89-26 0 15,118 0-496-15,-118 0-96 0,124-35-32 0,-124 35 0 16,108-62-1424-16,-108 62-304 0,99-79-48 0,-53 29-9552 0</inkml:trace>
+  <inkml:trace contextRef="#ctx0" brushRef="#br0" timeOffset="979.71">12163 13716 15663 0,'-18'16'688'0,"8"-6"144"0,1-1-656 0,2 0-176 0,6-6 0 0,-1 2 0 16,0 4 1984-16,-3 5 352 0,-2 7 80 0,-2 9 16 0,4 4-672 0,-4 0-128 15,4 4-32-15,-2-3 0 0,5 0-784 0,-1-2-176 16,1 1-16-16,0 5-16 15,1 1-352-15,1 2-64 0,-6 1 0 0,5 8-16 0,-1 3 80 0,-3 5 0 16,1 2 16-16,-1 3 0 0,3-1-64 0,2 3-16 16,0 0 0-16,0 1 0 0,0-3-192 0,2-1 128 15,0-1-128-15,1-4 0 0,-3-1 0 0,0-1 0 16,-5-4-128-16,1-3 128 16,-4-4-1328-16,-1-5-144 0,-3-1-48 0,1-11-12304 0</inkml:trace>
+  <inkml:trace contextRef="#ctx0" brushRef="#br0" timeOffset="1558.13">11476 14711 13823 0,'-5'-4'608'0,"5"-1"128"0,4-2-592 0,1 0-144 0,-5 7 0 0,0 0 0 15,0 0 2048-15,0 0 384 0,104-47 80 0,-104 47 16 16,124-35-224-16,-124 35-32 0,129-17-16 0,-129 17 0 0,115 9-640 0,-115-9-128 15,105 26-16-15,-105-26-16 16,101 38-864-16,-101-38-160 0,92 37-48 0,-92-37 0 0,98 40-384 16,-98-40 0-16,83 40-224 0,-83-40 80 15,72 43-112-15,-72-43 0 0,62 40-16 0,-62-40 0 16,56 33 272-16,-56-33 0 0,49 27 176 0,-49-27-176 0,0 0 400 0,0 0-16 16,68 13-16-16,-68-13 0 0,0 0-208 0,0 0-32 15,0 0-128-15,0 0 192 16,38-61-576-16,-43 49-128 0,-4-5-32 0,-5 1 0 15,2 1-2224-15,-5 1-448 0,-1 3-96 0,-1 4-16 16,2-2 944-16,-1 9 176 0,3-1 32 0,1 2 16 0,0 5 2704 0,0 2 544 0,2 5 96 16,-1 4 32-16,3 6 624 0,-2 1 128 0,1 4 16 15,1 3 16-15,-1 4-848 0,-3 5-160 0,2 9-32 0,-2-2-16 16,-1 3-560-16,-1 3-96 0,-1-1-32 0,3-3 0 16,1-1-64-16,5 0-32 0,1-3 0 0,7-5 0 15,8 5 784-15,8-8 144 0,7-6 48 0,-1-5 0 16,5-3-304-16,-27-23-64 15,64 28-16-15,-64-28 0 0,71 8-368 0,-71-8-80 0,0 0-16 0,98-26 0 16,-98 26-288-16,0 0 0 0,80-66 0 0,-80 66 0 16,35-71 0-16,-23 31 0 15,-1-4 0-15,-4-1 0 0,-2 1-144 0,-3-3 144 16,-2-2-128-16,-2-3 128 0,-2-2 0 0,3-3 0 16,-3 4 0-16,-5 3-128 0,4 3 128 0,-9 3 0 15,4 8 0-15,-6 1 0 0,-1 9 0 0,-6 8-192 16,-3 6 32-16,-4 7 0 15,-6 12-1504-15,1 9-288 0,-7 5-64 0,0 10-16 16,-7 9-1808-16,-3 4-352 0,-2 3-80 0,2 3-16 16,3 2 784-16,9-5 160 0,7-5 16 0,5-4 16 0,11-6 3024 0,-1-10 608 0</inkml:trace>
+  <inkml:trace contextRef="#ctx0" brushRef="#br0" timeOffset="2113.92">13566 14648 14735 0,'-7'16'1312'0,"5"-8"-1056"0,2-1-256 0,0-5 0 16,3 3 1808-16,3 4 304 0,-5 7 64 0,6 10 16 15,4 5-80-15,1 6 0 0,0-4-16 0,-3-2 0 16,-2 1-1632-16,0-5-320 0,-5 3-144 0,-4 1 128 15,-2 8-1936-15,-1-3-400 0,-4 4-80 0,1 0-16 16,-6 2 384-16,0 4 64 0,-2 1 0 0,2 1 16 16,0 1 2480-16,-3-4 512 0,5-5 80 0,-1 4 32 15,3-6 1040-15,1-6 192 16,1-4 64-16,-1-11 0 0,4-3-1536 0,1-7-320 0,-1-7-48 0,1-7-16 16,-1-4-640-16,2-6 0 0,1-4 0 0,-2-10-176 15,4-4-1376 1,-3-7-288-16,1-5-48 0,-1-5-16 0,-2 0 144 0,1-6 32 0,1-1 0 0,1-2 0 0,7 3 1344 0,4 3 384 15,5-1 0-15,7 7-144 0,-21 49 800 16,57-78 176-16,-57 78 16 0,70-58 16 0,-70 58 160 0,80-38 48 16,-80 38 0-16,75-14 0 15,-75 14-80-15,0 0-16 0,89 4 0 0,-89-4 0 0,0 0-464 0,71 10-112 0,-71-10-16 0,0 0-13440 32</inkml:trace>
+  <inkml:trace contextRef="#ctx0" brushRef="#br0" timeOffset="12582.96">12808 11497 13823 0,'0'4'1216'15,"3"-4"-960"-15,-3 0-256 0,2-4 0 0,1 4 640 0,1 0 96 16,-1 0 16-16,4-1 0 0,0 1-208 0,-2-2-32 16,-1 2-16-16,-8-2 0 0,1 4-496 0,-6 0 0 15,-1-1-176-15,-8 4 176 16,4 2-480-16,-3 2 32 0,0 0 0 0,-4 1 0 0,2 3 640 0,-2 0 128 16,1 3 16-16,3-5 16 0,1 3 480 0,-1-2 112 0,-2 2 16 15,1 0 0-15,-4-2-272 0,-1 2-48 0,2 3-16 0,-5 1 0 16,-2 2-496-16,-2 0-128 15,1 6 0-15,1 0 0 0,-3 0 0 0,-1 2 0 16,6-2 0-16,-4 0 0 0,8 7 336 0,-1-5 0 0,2 0 0 0,2-2 0 16,3 4-16-16,2-2-16 0,-3 1 0 0,3 2 0 15,2 1-176-15,1 1-128 0,3 0 144 0,-4 0-144 16,3 0 528-16,0 2 16 0,4-4 0 0,-4 1 0 16,2-4 128-16,0-4 32 0,4 6 0 0,-3-4 0 15,3 2-144-15,-6-2-32 0,4 5 0 0,-2-5 0 16,0 6-336-16,-2-1-64 0,1 2 0 0,-1-2-128 15,2 1 176-15,2 4-176 0,0-1 160 0,1 3-160 16,1-1 288-16,6 3-32 0,2 4-16 0,7-4 0 16,6 0 416-16,1-2 96 0,7 2 16 0,6-2 0 15,6-1-80-15,0 1-16 0,8-3 0 0,-3-7 0 0,9 3-448 16,-52-31-96-16,103 53 0 0,-54-24-128 0,-5-1 128 16,-44-28-128-16,80 49 0 0,-80-49 0 0,73 40 128 0,-73-40-128 15,71 35 0-15,-71-35 0 0,67 31 128 0,-67-31-128 16,52 30 192-16,-28-13-192 0,-24-17 144 0,51 37-144 15,-27-15 0-15,-1-1 144 0,1 2-144 0,-5 1 0 16,6 1 0-16,-3 1 0 0,1 0 0 0,3-3 0 16,0-3 0-16,1 3 0 0,-1-2 0 0,5-2 0 15,-31-19 0-15,66 35 0 0,-66-35 0 0,75 31 0 16,-75-31 0-16,77 25 0 0,-77-25 0 0,87 19 0 16,-87-19 0-16,92 9 0 0,-92-9 0 0,93 5 0 0,-93-5 0 15,97 0 0-15,-97 0 0 0,93-2 0 0,-93 2 0 16,0 0 0-16,125 0 0 0,-125 0 0 0,0 0 0 0,117-9 0 15,-117 9 0-15,84-12 0 0,-84 12 0 0,88-10 0 16,-88 10 0-16,94-11 0 16,-94 11 0-16,96-5 0 0,-96 5 0 0,84 4 0 15,-84-4 0-15,0 0 0 0,117 8 0 0,-117-8 0 0,0 0 0 0,110 9 0 16,-110-9 0-16,0 0 0 0,104 5 0 0,-104-5 0 16,0 0 0-16,105 0 0 0,-105 0 0 0,0 0 0 15,116-9 0-15,-116 9 0 0,0 0 0 0,121-13 0 16,-121 13 0-16,0 0 0 0,113-21 0 0,-113 21 0 0,0 0 0 0,110-28 0 15,-110 28 0-15,0 0 0 0,115-23 0 0,-115 23 0 16,83-12-176-16,-83 12 176 0,86-14 0 0,-86 14-160 16,90-12 160-16,-90 12 0 15,0 0-128-15,115-11 128 0,-115 11 0 0,0 0 0 0,98 0 0 0,-98 0 0 16,0 0 0-16,89 0 0 0,-89 0 0 0,0 0 0 16,0 0 0-16,113-8 0 0,-113 8 0 0,0 0 0 15,92-26 0-15,-92 26 0 0,0 0 0 0,93-47 0 16,-93 47 0-16,0 0 0 0,85-51 0 0,-85 51 0 0,0 0 0 0,72-47 0 15,-72 47 0-15,0 0 0 0,0 0 0 16,92-56 0-16,-92 56 0 0,0 0 0 0,78-54 0 0,-78 54 0 16,0 0 0-16,84-49 0 15,-84 49 0-15,0 0 0 0,87-43-128 0,-87 43 128 0,0 0 0 0,103-49 0 16,-103 49-144-16,0 0 144 0,110-49 0 0,-110 49-144 0,75-34 144 16,-75 34-160-1,0 0 160-15,92-49-160 0,-92 49 160 0,0 0-160 16,77-44 160-16,-77 44-160 0,0 0-32 0,71-49 0 0,-71 49 0 0,0 0 0 31,73-57-192-31,-73 57-64 0,0 0 0 0,79-66 0 0,-79 66 128 0,0 0 0 0,76-59 16 0,-76 59 0 16,0 0 304-16,72-51 0 15,-72 51 0-15,0 0 0 0,73-40 0 0,-73 40 0 0,0 0 0 16,0 0 0-16,77-50 0 0,-77 50 0 0,0 0 0 0,0 0 0 0,0 0 0 0,69-44 0 16,-56 37 0-16,-5 0 0 0,1 0 128 15,0-2-128-15,-2 4 0 0,0-2 0 16,1 2 272-16,-4 0-32 0,3-4-16 0,0 4 0 15,-2-4 48-15,0 0 16 0,2 1 0 0,0-5 0 16,0 3-288-16,-5-2 128 0,1 0-128 0,-3 3 0 16,-1 0 0-16,-3-1 0 0,-3-2 0 0,0 1 0 15,-5-1 0-15,-2 0 0 0,-3 1 0 0,-1-1 0 16,1-2 0-16,-6 2 0 0,2 2 0 0,2-3 0 16,-5 1 128-16,-1-2-128 0,1-3 0 0,-2 3 0 0,0-4 0 0,-2 1 0 15,0 0 0-15,2-1 0 0,-4 1 0 16,1-2 0-16,1-2 0 0,-4-2 0 0,6 6 0 0,-2-3 0 15,0 0 0-15,-3-1 0 0,0-2 0 0,-1 0 0 16,-3 2 0-16,1-3 0 0,-1 0 0 0,-2 5 0 16,-3-2 0-16,-7 0 0 0,2-2 0 0,-4 4 0 15,2 2 128-15,2-1-128 0,-4 1 0 0,0 3 160 16,2-2-160-16,-2 0 128 0,4 1-128 0,-4 1 160 16,-3 0-160-16,5 0 160 0,-2 2-160 0,-2-6 0 0,-1 6 0 15,-4-7 0-15,-1 3 0 0,3-3 0 0,0 2 0 0,3 5 0 16,2 3 0-16,1 0 0 15,2 2 0-15,-2 0 0 0,2 2 0 0,3 1 0 16,-1-4 0-16,4-1 0 0,2 2 0 0,1-3 0 16,-1-4 0-16,1 0 0 0,2 0 0 0,-1-2 0 0,1 0 0 15,0 1 0-15,2 4-192 0,0-1 48 16,-2 0 0-16,-2-2 0 0,4-3 144 0,2 3-208 0,-4-4 80 0,4 1 128 16,-4-1-160-16,-2 5 160 15,2-5 0-15,-5 6-144 0,2 1 144 0,-2-1 0 0,0 4 0 0,-6 2 0 16,3-2 0-16,1 2 0 0,0-1 0 0,2 2-128 0,-3 2 128 0,3-3 0 15,-1 1-144-15,1-2 144 0,6 2 0 0,-5-4-144 16,4 6 144-16,1-4 0 16,-3 0 0-16,0-2 0 0,2 4 0 0,-3 0 0 0,3 0 0 0,-5-2 0 15,-3 1 0-15,-6 1 0 0,4 2-144 0,-4-1 144 16,-7 2 0-16,2 1-144 16,-4 2-128-16,-4 5-32 0,-3-1 0 0,-3 7 0 15,-1 2 80-15,-6 7 16 0,5-2 0 0,0 4 0 16,4-2 208-16,3 0 0 0,2-2-160 0,2-5 160 15,-5 3-448-15,-3-5 0 0,-1 0-16 0,2-3 0 16,5-2-112-16,0-3-32 0,9 1 0 0,1-2 0 16,4 1 64-16,2-4 16 0,5 2 0 0,0-2 0 0,5 3 208 0,0 0 64 15,-1 3 0-15,1-1-8096 0,0-2-1616 0</inkml:trace>
+  <inkml:trace contextRef="#ctx0" brushRef="#br0" timeOffset="13373.15">15256 10271 9215 0,'-4'5'816'0,"3"-1"-656"16,1-1-160-16,0-3 0 0,0-3 656 0,0 3 112 15,0 5 0-15,0-2 16 0,0 1-336 0,-4-2-80 0,4 1-16 0,-1-3 0 16,-3-3-32-16,4 3-16 0,-5-2 0 0,-2 2 0 16,2 0 128-16,-4 2 16 15,0 3 16-15,-5 4 0 0,0 1 352 0,-3 4 64 16,1 0 16-16,-3 3 0 0,3 6 256 0,-1 0 64 0,1 3 16 16,4-2 0-16,-2 4-368 0,0 0-80 0,4 0-16 0,1-4 0 15,0 1-560-15,4-6-208 0,0 3 144 16,0-4-144-16,1-1-448 15,-1-3-160-15,-2-2-32 0,0-3-16 0,3-4-544 16,-1 2-96-16,2-5-32 0,-4-4 0 0,5-1 256 0,-1-2 48 0,3-2 16 0,-2-2 0 0,4-2 704 16,1-1 144-16,-1-2 32 0,5-7 0 0,1 2 544 15,3-5 112-15,5-1 32 0,-1-4 0 16,4 3-176-16,6-6-16 0,4 1-16 0,6-7 0 0,-2 3-128 0,4-3-32 16,0-1 0-16,-6 1 0 0,4 1-192 0,-35 37 0 15,70-61 0-15,-70 61 0 0,67-45 0 0,-67 45 0 16,0 0 0-16,88-35 0 0,-88 35 0 0,0 0 0 15,0 0 0-15,87 11 0 0,-87-11 832 0,0 0 112 16,0 0 16-16,68 41 16 0,-68-41 224 16,31 35 32-16,-15-12 16 0,-2 5 0 0,0 3-320 0,-6 2-64 15,-2 4-16-15,-3 6 0 0,1 1-240 0,-8-1-48 16,-1 3-16-16,-2 3 0 0,-2-2-288 0,-1-2-48 16,1 0-16-16,0-7 0 0,2-6-192 0,6-10 0 0,1-4 0 0,1-13 0 31,6-5-736-31,-7 0-192 0</inkml:trace>
+  <inkml:trace contextRef="#ctx0" brushRef="#br0" timeOffset="15883.14">12762 10971 10127 0,'-7'11'896'0,"2"-3"-704"0,3-2-192 0,4-5 0 16,2-1 768-16,-4 2 128 0,0 3 32 0,0 4 0 15,0 2-336-15,1-3-64 0,3-1-16 0,1-7 0 32,2 0-1248-32,-2-2-256 0,-1-1-48 0,1 1-16 0,-2 0 704 0,-1 1 144 0,2-3 16 0,-3 4 16 15,-1 0 1296-15,0 0 256 0,0 0 48 0,0-1 16 16,0-1 128-16,0-3 32 0,0 3 0 0,2-5 0 16,3 3-976-16,-3-4-192 0,2-3-48 0,1 2 0 15,2-3-384-15,-4-3 0 0,4-1 0 0,0-3 0 0,2-2 0 0,-4-2 0 16,4 1 0-16,0-3 0 15,-4-3-144-15,4-1 144 0,-2-3 0 0,1-2 0 16,3 2 176-16,1-3 144 0,2 4 16 0,0-4 16 16,3 0 0-16,4-1 0 0,-2 6 0 0,4-1 0 0,1 3-224 0,-1 2-128 15,-2 0 160-15,-2 0-160 0,0 6 0 0,-1-1 0 16,-1 1 0-16,-1-3 0 0,1 6 0 0,-3 3 0 16,0 5 0-16,-2 0 0 0,2 4 0 0,-5 1 0 15,0 4 0-15,-4 0 0 0,2 0 128 0,-2 4 48 16,-1-1 0-16,1 3 0 0,-3-5 352 0,1 6 80 15,0-1 16-15,-1 2 0 0,0 3-256 0,3-4-48 16,0 1-16-16,-1 1 0 0,5-4-128 0,-1 4-32 16,6 0 0-16,0-4 0 0,-14-5-144 0,0 0 0 15,0 0 0-15,0 0 0 0,101-5 864 0,-101 5 96 0,0 0 0 0,0 0 16 32,89-18-1552-32,-89 18-304 0,0 0-64 0,0 0-16 0,0 0 1280 0,84-8 256 15,-70 6 64-15,1 0 0 0,-1-3 80 0,-1 1 32 16,-13 4 0-16,0 0 0 0,0 0-416 0,0 0-80 0,85-27 0 0,-85 27-16 15,0 0-240-15,0 0 0 0,0 0 0 0,96-30 0 16,-96 30 0-16,0 0 0 0,0 0 0 0,0 0 0 16,94-9 0-16,-94 9 0 0,0 0 0 0,0 0 0 15,0 0 0-15,106 9 176 0,-106-9-48 0,0 0-128 0,84 7 464 0,-84-7-16 16,0 0 0-16,101 5 0 16,-101-5-208-16,0 0-48 0,122-3-16 0,-122 3 0 0,89-2-176 0,-89 2 0 15,0 0 0-15,115 2 0 0,-115-2 0 16,0 0 0-16,111 0 0 0,-111 0 0 0,0 0 0 0,115-6 0 15,-115 6 0-15,0 0 0 0,119-10 0 0,-119 10 0 16,89-10 0-16,-89 10 0 0,92-11 0 0,-92 11 0 16,91-9 0-16,-91 9 0 0,0 0 0 0,116 0 256 15,-116 0-32-15,0 0-16 16,117 4-32-16,-117-4-16 0,0 0 0 0,122 2 0 0,-122-2-160 16,99 0 0-16,-99 0 144 0,115 0-144 0,-115 0 0 0,115 0 0 0,-115 0 0 0,112-6 0 15,-112 6 0-15,113 0 0 16,-113 0 0-16,107 0 0 0,-107 0 0 0,120 0 0 15,-120 0 0-15,122 6 0 0,-122-6 0 0,115 17 0 0,-115-17 0 0,101 24 0 16,-101-24 192-16,94 23-48 16,-94-23 0-16,92 19 0 0,-92-19 0 0,96 9 0 15,-96-9 0-15,106 3 0 0,-106-3-144 0,102-12 0 16,-102 12 0-16,85-22 128 0,-85 22-128 0,0 0 0 0,91-35 0 16,-91 35 0-16,0 0 0 0,0 0 0 0,57-37 0 0,-52 28 0 15,-1-3 0-15,-2 4 0 16,1-5 0-16,-3-1 0 0,3 1 0 0,-3-1 0 0,2 0 0 0,2-2 0 0,-1 2 0 0,2 0 0 15,1 2 0 1,-1 1 0-16,2 1 0 0,-7 5 0 0,3 1 0 0,-3 3 0 16,0 2 0-16,-1 3 0 0,-1 3 0 0,-2 1 0 15,1 6-256-15,1 0 80 0,-5 9 16 0,5-2 0 0,-3 5 160 16,5 0-192-16,0 2 192 0,0 2-192 16,5-3 192-16,4 8 0 0,0 2 0 0,0 3 0 15,-1 2 144-15,1 3 16 0,-4 4 0 0,-1 7 0 0,-4 1 0 0,1 2 0 16,3 0 0-16,1-3 0 0,2-4 0 0,7-3 0 15,5-5 0-15,6-9 0 0,3-4-160 16,-28-31 160-16,78 52-160 0,-78-52 160 0,106 32-160 0,-106-32 0 16,124 13 0-16,-124-13 0 0,127-5 0 15,-127 5 0-15,126-17 0 0,-126 17 0 0,139-12 0 0,-139 12 128 16,146-14-128-16,-146 14 0 0,150-9 0 0,-150 9 0 16,133-5 0-16,-133 5 0 0,127 3 0 0,-127-3 0 0,132 9 0 0,-132-9 0 15,145 14 0-15,-145-14 0 16,152 14 0-16,-152-14 0 0,132 9 0 0,-132-9 0 15,120 8 0-15,-120-8 0 0,114 5 0 0,-114-5 0 16,111 7 0-16,-111-7 0 0,115 6 0 0,-115-6 0 16,103 0 0-16,-103 0 0 0,85 3-192 0,-85-3 192 15,0 0-192-15,101 0 192 0,-101 0 0 0,0 0 0 16,89-3 0-16,-89 3 0 0,0 0-128 0,98-18 128 16,-98 18 0-16,0 0 0 0,104-26 0 0,-104 26 0 15,0 0-144-15,101-28 144 0,-101 28-176 0,0 0 32 0,107-29 0 0,-107 29 0 16,0 0 16-16,92-26 0 0,-92 26 0 0,0 0 0 15,0 0 128-15,92 6-208 16,-92-6 80-16,0 0 128 0,63 42 0 0,-44-17 0 0,2-1 0 0,0 2 0 16,-3 0 0-16,4 7 0 0,1 0 0 0,-6 1 0 15,2-1 0-15,-1-2 0 0,-2-1 0 0,-2 1 0 16,-6 0 0-16,1 4 0 0,-9 3 0 0,0 3 0 16,-4-1-208-16,-1 5 16 0,0-2 16 0,2-8 0 15,-3 4-16-15,3-8-16 0,-1-7 0 0,3-13 0 31,2-6-736-31,6-17-144 0</inkml:trace>
+  <inkml:trace contextRef="#ctx0" brushRef="#br0" timeOffset="16616.98">18405 9221 20271 0,'-7'9'1792'15,"5"-4"-1424"-15,4-2-368 0,1-3 0 0,1-3 704 0,1 3 64 0,4 3 0 0,1-1 16 16,-10-2-784-16,0 0 0 0,0 0-144 16,0 0 16-1,86-14-1840-15,-76 5-352 0,-1 6-80 0,-6-2-16 0,-3 3 880 16,-3-2 192-16,-2 1 16 0,-4-1 16 0,-3 3 1936 0,-2-3 384 16,-2 2 80-16,0 1 0 0,-1-1 336 0,-6-2 64 15,2 3 16-15,-5-3 0 0,4 4-752 0,-5 0-160 0,5 5-16 0,-4 1-16 0,3 1-368 0,-3 3-192 16,0 1 192-16,3-1-192 15,0 7 352-15,6 1-32 16,5 3-16-16,-2-2 0 0,7 4 128 0,2 3 16 16,1 0 16-16,2 3 0 0,2-1-336 0,0 4-128 0,0 1 0 15,4 0 0-15,1 0 224 0,4 0-48 0,0-3-16 0,1-2 0 0,6-2 384 0,1-4 80 16,2-1 16 0,-19-21 0-16,0 0-384 0,75 40-64 0,-75-40 0 0,0 0-16 31,101-3-960-31,-101 3-192 0</inkml:trace>
+  <inkml:trace contextRef="#ctx0" brushRef="#br0" timeOffset="17180.66">19107 9451 24879 0,'-21'45'1088'0,"11"-15"256"16,4-4-1088-16,5-9-256 0,1-8 0 0,0-4 0 0,0 4 464 0,0 5 48 15,-2 8 0-15,2 5 0 16,-3-5-1024-16,-3-6-208 0,-1-6-48 0,-1-6 0 16,-1-6-544-16,-2-5-112 0,-1-2-32 0,-2-3 0 0,0-2 944 0,-3-3 192 15,-1 3 48-15,1-4 0 0,0 5 1264 0,-1-5 256 16,1 1 48-16,-2-1 16 0,3 4-32 0,0-3 0 16,-1 3 0-16,1 0 0 0,2 2-880 0,2 0-176 0,-2 3-32 0,4 4-16 31,-3 1-832-31,-1 4-176 0,2 4-16 0,2 1-16 15,-1 7-896-15,1 2-176 0,-4 9-48 0,-2 3 0 16,2 9 320-16,0 0 64 0,0 1 16 0,2-1 0 0,0-4 1824 0,3-1 352 16,4-4 80-16,3-3 16 0,4-2 1280 0,2-4 256 15,4 0 48-15,1-1 16 0,0-4-816 0,1-3-176 0,2 1-16 0,1-6-16 16,1-1-912-16,-2-3-176 0,-12 0-48 0,0 0 0 16,0 0-128-16,0 0 0 0,94-40 0 0,-94 40-176 15,43-38 48-15,-43 38 0 0,58-49 0 0,-58 49 0 0,54-52 128 0,-54 52 0 16,52-51 0-16,-52 51 0 15,44-47-352-15,-44 47-96 0,42-40 0 16,-42 40-16-16,38-38-112 16,-38 38-32-16,35-38 0 0,-35 38 0 0,35-39-208 15,-35 39-32-15,0 0-16 0,57-45 0 0,-57 45 208 0,0 0 32 0,0 0 16 0,0 0 0 0,0 0 192 0,0 0 32 16,0 0 16-16,0 0 0 0,0 0 624 0,32 58 112 16,-46-27 16-16,-4 6 16 0,1 6 1200 15,-4 6 224-15,-2 0 48 0,2 3 16 0,2-3-544 0,-2-2-96 16,4-2-32-16,3-5 0 0,0 0-832 0,5-2-160 15,0-5-32-15,4-3-16 0,-2 0-432 0,5-8-96 0,-1-1-16 16,3-5 0 0,3-4-1248-16,-1 0-256 0,2-3-48 0,1 0-5312 0,2-2-1040 0</inkml:trace>
+  <inkml:trace contextRef="#ctx0" brushRef="#br0" timeOffset="17716.95">19476 9540 14735 0,'-17'17'640'0,"7"-5"160"0,3 2-640 0,0-5-160 16,5-4 0-16,2 4 0 0,-4-1 1248 0,-1 13 224 15,-7 11 32-15,2 8 16 0,-3 12-864 0,1-3-160 16,3 5-48-16,4-4 0 0,0 1-448 0,5 1 0 15,0 2 0-15,0-2 0 0,0-3-176 0,0 3 176 0,0 2-160 0,-3 2 160 32,-3-5-192-32,-2-4 192 0,-1-2-208 0,0-3 80 0,0-6 832 0,4-6 160 15,2-8 32-15,-1-8 16 0,8-1 496 0,-1-12 80 16,-1-1 32-16,5-5 0 16,0 0-848-16,0-9-160 0,2-3-48 0,1-10 0 15,2-4-464-15,0-7-320 0,-1-6 64 0,1-5 0 0,2-5 112 0,0-10 144 16,2-7-208-16,-6-1 80 15,4-3 128-15,-2-3 0 0,0 7-144 0,6-11 144 0,5-2-176 0,-1-1 48 16,4 5 0-16,2 6 0 0,2 7 128 0,-4 6 0 16,5 7 0-16,-1 10 0 0,1 9 0 0,-31 35 0 0,58-45 0 0,-58 45 0 15,0 0 0-15,80-19 0 16,-80 19 0-16,0 0 0 0,78 8 0 0,-78-8 0 16,0 0 0-16,81 16 0 0,-81-16 176 0,0 0-48 15,55 35 0-15,-41-19 0 0,0 3 0 0,-9 3 0 16,2 5 0-16,-5 0 0 0,2 3 384 0,-10-2 80 15,3 7 16-15,-6 0 0 0,-3 1 208 0,-5 2 32 16,-3 4 16-16,-9-3 0 0,-3 4-336 0,-4-3-64 16,-4-2-16-16,-4-4 0 0,2-5-256 0,1-8-64 15,-3-5-128-15,4-8 192 0,5-4-192 0,4-8 0 0,-4-4 0 0,5-8 0 32,2-10-912-32,2-18-80 0</inkml:trace>
+  <inkml:trace contextRef="#ctx0" brushRef="#br0" timeOffset="-166339.95">4044 6572 3679 0,'-3'0'320'0,"3"0"-320"0,0 0 0 0,0 0 0 0,0 0 320 0,0 0-16 0,0 0 0 0,0 0 0 0,0 3 336 0,0-6 64 16,0 3 0-16,0 0 16 0,3 0-400 0,-3 0-96 0,0-2-16 0,0 0 0 15,0 0-16-15,-3-1-16 0,-3-1 0 0,-2-1 0 16,-1 0 496-16,-3 0 96 0,-2-2 32 0,0 2 0 15,-3-4 128-15,-1 5 32 0,2-1 0 0,1-4 0 16,-3 4-240-16,3-2-32 0,-3 0-16 0,3-1 0 0,-3-5-224 0,1 5-32 16,-6-1-16-16,2-3 0 15,-5 3-208-15,0-1-64 0,0 1 0 0,-2 2 0 16,2 2-128-16,0 0 0 0,-1 5-160 0,1 5 160 0,0 0 0 0,0 5 0 16,2 1 0-16,-3 6 0 15,1 1 0-15,0 3 0 0,3 5 0 0,-1 2 0 0,0 3 0 0,3 0 0 16,0 4 0-16,2 5 0 0,1 0 304 0,4 2-48 0,-3 0-16 0,5 1 0 31,1-3-112-31,3 4 0 0,-1 1-128 0,0 2 192 16,2 0-192-16,0 4 0 0,4 3 0 0,-6 2 0 15,6 1 0-15,1 1 0 0,-2-1 0 0,4 4 0 0,4-4 208 0,-4-3 112 0,5-1 0 16,-2-1 16-16,6-3 144 0,5-4 32 16,4-1 0-16,1-6 0 0,-19-38-240 0,61 59-32 15,-61-59-16-15,78 35 0 0,-78-35-96 0,99 5-128 16,-99-5 176-16,105-16-176 0,-105 16 0 0,103-40 0 0,-47 14-192 0,-4-3 48 31,-3-1-336-31,1-3-64 0,1 0-16 0,-1 0-9664 0</inkml:trace>
+  <inkml:trace contextRef="#ctx0" brushRef="#br0" timeOffset="-165138.95">5389 7352 4607 0,'2'5'400'0,"2"-1"-400"0,-4-4 0 0,0 0 0 15,0 0 800-15,0 3 80 0,0-1 16 0,0 1 0 16,0 6-432-16,-6-4-80 0,-1 1 0 0,-1-3-16 16,-3 2 16-16,-1-1 16 15,-2-1 0-15,-3-1 0 0,-1 0 80 0,1-2 16 16,3 1 0-16,-3-1 0 0,1 0 64 0,2 0 16 0,0-3 0 0,0 1 0 16,-2-1-240-16,2-3-32 0,0 1-16 0,1-2 0 15,-3-1-288-15,2-1 0 16,0 0 0-16,-3 0 0 0,-1 4 0 0,1 0 0 15,-3 2 0-15,3 3 0 0,0 5 0 0,-4 2 0 16,2 1 0-16,-2 3 0 0,-5 5 0 0,3 1 0 16,0 2 0-16,-3 7-144 0,0 2 144 0,3 2-208 15,2 1 80-15,7-1 128 0,2-2 0 0,7 3 0 0,2 4 144 0,6 3-16 16,0 2 896-16,6 0 176 0,2 7 32 0,3-5 16 0,7 5-272 0,-4-7-48 16,9-3-16-16,-26-37 0 0,58 61-512 0,-58-61-96 15,62 36-32-15,-62-36 0 0,0 0-272 0,105 4 0 16,-105-4 0-16,71-26 0 15,-71 26 0-15,65-35 0 0,-65 35 0 0,56-54-144 16,-32 26 144-16,-1-5 144 0,-6 1-16 0,0-4-128 16,-3 1 320-16,-1-3-32 0,-5-2-16 0,1 0 0 15,0 1-272-15,-2-1 0 0,0 0 0 0,1 4 0 16,1-4 0-16,0 1 0 0,1 3 0 0,2-3 0 0,2 4 0 16,0 4 0-16,4 3 0 0,-3 4 0 0,-1 1 0 15,-14 23 0-15,0 0 0 0,0 0 0 16,0 0 0-16,0 0 0 0,0 0 0 0,21 49 0 0,-29-19 144 0,-5 6 80 15,-4 8 16-15,0 8 0 0,-1 7 800 0,1-3 176 16,3-2 16-16,0-2 16 0,5 0-496 0,0-6-112 0,2-5 0 16,6-4-16-16,-5-6-496 0,6-1-128 15,0-7 0-15,6-4 0 16,-1-3-352-16,-5-16-96 0,0 0 0 0,0 0-16 16,0 0-1840-16,0 0-352 0,75 19-80 0,-75-19-8272 0</inkml:trace>
+  <inkml:trace contextRef="#ctx0" brushRef="#br0" timeOffset="-164212.52">5886 7493 16575 0,'-2'0'1472'0,"2"0"-1168"0,4 0-304 0,-2-3 0 15,1 3 1856-15,2 0 320 0,-1-6 64 0,4 3 16 16,-8 3-944-16,0 0-192 0,0 0-32 0,0 0-16 16,0 0-1072-16,46-28 0 0,-43 28-208 0,-3 2 16 15,-3 1-512-15,-1 6-96 0,-1 0-32 0,0 5 0 0,-2-2 448 0,0 5 64 16,0 1 32-16,2-5 0 16,-1 5 576-16,-2 3 112 0,4-2 32 0,-1 4 0 0,0 3 464 0,1 0 112 15,-1 5 16-15,2-5 0 0,-1 6 480 0,1-1 96 16,1-1 32-16,-5 4 0 15,5-2-2096-15,-5-1-432 0,5 2-64 0,-3-8-32 0,2 1 768 0,-2-5 224 16,1-4 0-16,-1-3 0 0,0-5-144 0,1-4 144 16,1 0 0-16,1-5 0 0,0-2 0 0,0-1 0 15,2-1 0-15,0-2 0 0,0-1 0 0,0-2 224 0,4-2-32 16,1-1-16-16,4-5 32 0,0-1 16 16,-1 1 0-16,3-6 0 0,3-5-224 0,1-5 128 15,3-1-128-15,-1-8 0 0,-1-2 0 0,1-3 128 0,4-2-128 16,-3-1 0-16,-1 1 0 0,-5 2 0 15,2-2 128-15,-3 9-128 0,1 5 0 0,-3 9 0 0,-1 7 0 16,-4 3 0-16,1 9 0 0,-2 1 0 0,3 6 0 0,-3 3 0 16,-3-3 208-16,0 0 0 0,0 0 0 0,0 0 0 15,0 0 304-15,77 17 48 0,-77-17 16 16,0 0 0-16,0 0-384 0,78 9-64 0,-78-9 0 0,0 0-128 0,0 0 0 0,0 0 0 16,89-12 0-16,-89 12 0 31,0 0-448-31,0 0 16 0,66-23 0 0,-66 23 0 15,0 0-1696-15,54-29-352 0,-54 29-64 0,0 0-16 16,49-40-464-16,-49 40-112 0,0 0 0 0,42-37-16 0,-42 37 224 16,0 0 48-16,45-40 16 0,-36 28 0 15,-9 12 1808-15,0 0 352 0,26-26 80 0,-21 22 16 0,1 4 1712 0,-3 0 352 0,2 4 64 0,-1 1 16 0,-1 2 112 0,3 3 16 16,-3 3 16-16,2 0 0 0,-1 1-688 0,-4 4-144 16,1-3-16-16,-1 5-16 0,4-3-816 0,-4 6 0 0,-4 1 0 15,3 0 0-15,-3 3 0 0,1-1 208 16,1 3-32-16,-5-1-16 0,5 2 816 15,-3-2 176-15,3-2 16 0,1-4 16 0,-5 3 448 0,3 1 96 16,3 2 0-16,-7 1 16 0,2 3-384 0,-1-1-80 0,-2 0 0 16,-4-1-16-16,3-2-848 0,-2-2-160 0,-3 4-48 0,4-6 0 15,0 0 608-15,-4-4 112 16,1-3 32-16,-1-3 0 0,2-2-1600 16,0-3-304-16,2-4-64 0,1-5-16 0,0 0 832 0,0-2 192 0,6 1 0 15,1-6 0-15,2-6 0 0,2-4 256 16,5-6-48-16,2-6-16 0,-1-4-192 0,3-6 128 15,4-4-128-15,-1-1 0 0,4-1 0 0,-1-7 0 16,-1 1 0-16,3-6-160 0,0-2 160 0,4-4 0 16,0 0 0-16,1 2-128 0,-1 0 128 0,-1 12 0 0,4 4 160 15,-6 7-160-15,1 6 256 0,-4 6-64 16,-17 26 0-16,31-31 0 0,-31 31 240 0,0 0 32 0,0 0 16 0,0 0 0 16,0 0-96-16,75-12-32 0,-75 12 0 0,0 0 0 0,0 0-352 0,0 0 0 0,79 22 0 0,-79-22 0 31,0 0-304-31,0 0-80 0,75 16 0 0,-75-16-16 31,0 0-1344-31,0 0-272 0,92-3-48 0,-92 3-11344 0</inkml:trace>
+  <inkml:trace contextRef="#ctx0" brushRef="#br0" timeOffset="-163214.52">7923 7084 8223 0,'4'7'176'0,"-4"-2"32"0,5-2 16 15,-3-1 32-15,1 2-256 0,1-4 0 0,-4 0 0 0,1 1 0 0,3 1 2608 0,-1 0 464 16,1-2 112-16,-6 0 16 0,0-2-1392 0,-6-1-272 16,-1-3-48-16,-3-1-16 0,-2 2-848 0,-4 0-176 15,1-2-48-15,-2 2 0 0,1 0-400 0,-3 1 0 16,0 4 0-16,2 5 0 0,-2 2-128 0,2 4 128 15,-2 3 0-15,2 3 0 0,-2 0 0 0,2 4 0 16,-2 2 0-16,-2 8 0 0,-3 4 144 0,0 9 112 0,-2 8 0 16,2 9 16-16,0 7 368 0,3 2 64 0,6-1 0 0,1-3 16 15,9-1-192-15,6-8-32 0,4-6-16 0,6-6 0 16,3-5-240-16,4-5-48 0,-16-35-16 0,41 58 0 16,-41-58-176-16,53 40-144 0,-53-40 144 0,0 0-208 15,0 0 208-15,89-6 0 0,-89 6 0 0,33-43 0 16,-16 15 512-16,1-5 80 0,-1-4 32 0,-1-6 0 15,-2-1-352-15,-4-5-64 0,2-1-16 0,0-1 0 16,-5 1-192-16,0-2 0 0,2-1 0 0,-5 5-160 0,3 2 160 0,0 3-128 16,-4 4 128-16,2-1-128 0,-3 9 0 0,2 1 0 15,-1 3 0-15,-3 9 0 0,2 8 128 0,-4 3 0 16,-1 7 0-16,-3 7 0 0,-2 7 0 0,-6 5 0 16,1 10 0-16,-4 6 128 0,-2 5 32 0,0 4 16 15,0 1 0-15,-2 4 0 0,1 5 80 0,5-4 0 16,4-4 16-16,-3-3 0 0,11-6-272 0,-2-2 0 15,10-4 0-15,0-10 0 0,-5-21 0 0,24 38-144 16,-24-38 144-16,0 0-192 0,72 25 0 0,-72-25 0 16,0 0 0-16,106-9 0 0,-106 9 192 0,86-26-160 15,-86 26 160-15,104-49-160 0,-104 49 160 0,112-63 0 0,-57 27 0 16,-2-6 0-16,-10-3 0 0,-1-2-208 0,-4-4 16 0,-6 2 16 16,-6 2-144-16,-3-1-48 15,-2 2 0-15,-8-1 0 0,-2-2 16 0,-4 9 0 0,-4 0 0 0,-4 5 0 16,-1 8 160-16,-7 6 48 0,0 9 0 0,-4 6 0 15,-5 10 144-15,1 10 0 0,-6 7 0 0,-3 10 0 16,1 6 0-16,-1 8 0 16,4 2 0-16,-1 2 0 0,2 5 496 0,2 1 16 0,5 3 16 0,2 3 0 15,7 1-32-15,-1-4-16 0,8-4 0 0,3-7 0 16,2-7-480-16,7-5 0 0,0-4 0 0,-14-31 0 16,51 44 0-16,-51-44 0 0,71 21 0 0,-71-21 0 0,84 5 0 0,-84-5-128 15,80-14 128-15,-80 14 0 0,75-33 0 16,-75 33 0-16,68-58 0 0,-35 24 0 0,2-6 704 0,-4-1 32 15,1-2 16-15,-3-2 0 16,-1-2-464-16,-2-2-96 0,-7 0 0 0,-3 7-16 31,-2 0-576-31,-5 9-112 0,-1 0-32 0,-4 5 0 0,1 6-64 16,-3 4-16-16,-2 18 0 0,0-21 0 0,-2 21 624 0,-7 7 0 0,1 7 0 0,-6 9 0 16,-7 7 368-16,-2 8 32 0,-3 5 16 0,-5 13 0 0,-1 7 144 0,3 7 16 15,1 6 16-15,2 3 0 0,5 1-144 0,2 7-16 16,3 7-16-16,2-2 0 0,2-5-416 0,-4-7 0 15,0-8 0-15,-6-8 0 16,-4-6-640-16,-6-1-128 0,-8-1 0 0,0-6-16 0,-3-1 336 0,-5-9 80 16,7-5 16-16,-8-5 0 0,-2-11 352 0,1-3 160 0,1-6-16 0,-2-3 0 15,10-7-144-15,6-7 0 0,9-3 0 0,6-8 128 16,8-3-128-16,12-5-176 0,4 0 48 0,11-7 0 16,10 0 128-16,6 0 0 0,9 0-144 0,-40 33 144 15,101-60 0-15,-101 60-144 0,117-34 144 0,-117 34 0 0,126-16-320 0,-126 16 64 16,125-5 0-16,-125 5 0 0,132-6 256 0,-57 6 0 15,9-3-128-15,5-6-14688 16</inkml:trace>
+</inkml:ink>
 </file>
 
 <file path=ppt/slideLayouts/slideLayout1.xml><?xml version="1.0" encoding="utf-8"?>
@@ -2601,7 +2721,7 @@
           <a:p>
             <a:fld id="{1980741F-7C48-4E1E-B795-A8BCE7812644}" type="datetimeFigureOut">
               <a:rPr lang="en-AU" smtClean="0"/>
-              <a:t>5/09/2023</a:t>
+              <a:t>6/09/2023</a:t>
             </a:fld>
             <a:endParaRPr lang="en-AU"/>
           </a:p>
@@ -2801,7 +2921,7 @@
           <a:p>
             <a:fld id="{1980741F-7C48-4E1E-B795-A8BCE7812644}" type="datetimeFigureOut">
               <a:rPr lang="en-AU" smtClean="0"/>
-              <a:t>5/09/2023</a:t>
+              <a:t>6/09/2023</a:t>
             </a:fld>
             <a:endParaRPr lang="en-AU"/>
           </a:p>
@@ -3011,7 +3131,7 @@
           <a:p>
             <a:fld id="{1980741F-7C48-4E1E-B795-A8BCE7812644}" type="datetimeFigureOut">
               <a:rPr lang="en-AU" smtClean="0"/>
-              <a:t>5/09/2023</a:t>
+              <a:t>6/09/2023</a:t>
             </a:fld>
             <a:endParaRPr lang="en-AU"/>
           </a:p>
@@ -3211,7 +3331,7 @@
           <a:p>
             <a:fld id="{1980741F-7C48-4E1E-B795-A8BCE7812644}" type="datetimeFigureOut">
               <a:rPr lang="en-AU" smtClean="0"/>
-              <a:t>5/09/2023</a:t>
+              <a:t>6/09/2023</a:t>
             </a:fld>
             <a:endParaRPr lang="en-AU"/>
           </a:p>
@@ -3487,7 +3607,7 @@
           <a:p>
             <a:fld id="{1980741F-7C48-4E1E-B795-A8BCE7812644}" type="datetimeFigureOut">
               <a:rPr lang="en-AU" smtClean="0"/>
-              <a:t>5/09/2023</a:t>
+              <a:t>6/09/2023</a:t>
             </a:fld>
             <a:endParaRPr lang="en-AU"/>
           </a:p>
@@ -3755,7 +3875,7 @@
           <a:p>
             <a:fld id="{1980741F-7C48-4E1E-B795-A8BCE7812644}" type="datetimeFigureOut">
               <a:rPr lang="en-AU" smtClean="0"/>
-              <a:t>5/09/2023</a:t>
+              <a:t>6/09/2023</a:t>
             </a:fld>
             <a:endParaRPr lang="en-AU"/>
           </a:p>
@@ -4170,7 +4290,7 @@
           <a:p>
             <a:fld id="{1980741F-7C48-4E1E-B795-A8BCE7812644}" type="datetimeFigureOut">
               <a:rPr lang="en-AU" smtClean="0"/>
-              <a:t>5/09/2023</a:t>
+              <a:t>6/09/2023</a:t>
             </a:fld>
             <a:endParaRPr lang="en-AU"/>
           </a:p>
@@ -4312,7 +4432,7 @@
           <a:p>
             <a:fld id="{1980741F-7C48-4E1E-B795-A8BCE7812644}" type="datetimeFigureOut">
               <a:rPr lang="en-AU" smtClean="0"/>
-              <a:t>5/09/2023</a:t>
+              <a:t>6/09/2023</a:t>
             </a:fld>
             <a:endParaRPr lang="en-AU"/>
           </a:p>
@@ -4425,7 +4545,7 @@
           <a:p>
             <a:fld id="{1980741F-7C48-4E1E-B795-A8BCE7812644}" type="datetimeFigureOut">
               <a:rPr lang="en-AU" smtClean="0"/>
-              <a:t>5/09/2023</a:t>
+              <a:t>6/09/2023</a:t>
             </a:fld>
             <a:endParaRPr lang="en-AU"/>
           </a:p>
@@ -4738,7 +4858,7 @@
           <a:p>
             <a:fld id="{1980741F-7C48-4E1E-B795-A8BCE7812644}" type="datetimeFigureOut">
               <a:rPr lang="en-AU" smtClean="0"/>
-              <a:t>5/09/2023</a:t>
+              <a:t>6/09/2023</a:t>
             </a:fld>
             <a:endParaRPr lang="en-AU"/>
           </a:p>
@@ -5027,7 +5147,7 @@
           <a:p>
             <a:fld id="{1980741F-7C48-4E1E-B795-A8BCE7812644}" type="datetimeFigureOut">
               <a:rPr lang="en-AU" smtClean="0"/>
-              <a:t>5/09/2023</a:t>
+              <a:t>6/09/2023</a:t>
             </a:fld>
             <a:endParaRPr lang="en-AU"/>
           </a:p>
@@ -5270,7 +5390,7 @@
           <a:p>
             <a:fld id="{1980741F-7C48-4E1E-B795-A8BCE7812644}" type="datetimeFigureOut">
               <a:rPr lang="en-AU" smtClean="0"/>
-              <a:t>5/09/2023</a:t>
+              <a:t>6/09/2023</a:t>
             </a:fld>
             <a:endParaRPr lang="en-AU"/>
           </a:p>
@@ -5738,8 +5858,8 @@
           <a:lstStyle/>
           <a:p>
             <a:r>
-              <a:rPr lang="en-CA"/>
-              <a:t>in CMPT225</a:t>
+              <a:rPr lang="en-CA" dirty="0"/>
+              <a:t>in CMPT 225</a:t>
             </a:r>
             <a:endParaRPr lang="en-AU" dirty="0"/>
           </a:p>
@@ -7878,103 +7998,6 @@
 </p:sld>
 </file>
 
-<file path=ppt/slides/slide13.xml><?xml version="1.0" encoding="utf-8"?>
-<p:sld xmlns:a="http://schemas.openxmlformats.org/drawingml/2006/main" xmlns:r="http://schemas.openxmlformats.org/officeDocument/2006/relationships" xmlns:p="http://schemas.openxmlformats.org/presentationml/2006/main">
-  <p:cSld>
-    <p:spTree>
-      <p:nvGrpSpPr>
-        <p:cNvPr id="1" name=""/>
-        <p:cNvGrpSpPr/>
-        <p:nvPr/>
-      </p:nvGrpSpPr>
-      <p:grpSpPr>
-        <a:xfrm>
-          <a:off x="0" y="0"/>
-          <a:ext cx="0" cy="0"/>
-          <a:chOff x="0" y="0"/>
-          <a:chExt cx="0" cy="0"/>
-        </a:xfrm>
-      </p:grpSpPr>
-      <p:sp>
-        <p:nvSpPr>
-          <p:cNvPr id="8" name="TextBox 7">
-            <a:extLst>
-              <a:ext uri="{FF2B5EF4-FFF2-40B4-BE49-F238E27FC236}">
-                <a16:creationId xmlns:a16="http://schemas.microsoft.com/office/drawing/2014/main" id="{C009EE81-D8BB-99B0-6C15-936B71649AD6}"/>
-              </a:ext>
-            </a:extLst>
-          </p:cNvPr>
-          <p:cNvSpPr txBox="1"/>
-          <p:nvPr/>
-        </p:nvSpPr>
-        <p:spPr>
-          <a:xfrm>
-            <a:off x="0" y="-4142"/>
-            <a:ext cx="12192000" cy="1569660"/>
-          </a:xfrm>
-          <a:prstGeom prst="rect">
-            <a:avLst/>
-          </a:prstGeom>
-          <a:noFill/>
-        </p:spPr>
-        <p:txBody>
-          <a:bodyPr wrap="square" rtlCol="0">
-            <a:spAutoFit/>
-          </a:bodyPr>
-          <a:lstStyle/>
-          <a:p>
-            <a:pPr algn="ctr"/>
-            <a:r>
-              <a:rPr lang="en-CA" sz="9600" dirty="0"/>
-              <a:t>Textbook</a:t>
-            </a:r>
-            <a:endParaRPr lang="en-AU" sz="9600" dirty="0"/>
-          </a:p>
-        </p:txBody>
-      </p:sp>
-      <p:pic>
-        <p:nvPicPr>
-          <p:cNvPr id="3" name="Picture 2">
-            <a:extLst>
-              <a:ext uri="{FF2B5EF4-FFF2-40B4-BE49-F238E27FC236}">
-                <a16:creationId xmlns:a16="http://schemas.microsoft.com/office/drawing/2014/main" id="{BB445FAB-0185-A419-CAA9-6206A5620C48}"/>
-              </a:ext>
-            </a:extLst>
-          </p:cNvPr>
-          <p:cNvPicPr>
-            <a:picLocks noChangeAspect="1"/>
-          </p:cNvPicPr>
-          <p:nvPr/>
-        </p:nvPicPr>
-        <p:blipFill>
-          <a:blip r:embed="rId2"/>
-          <a:stretch>
-            <a:fillRect/>
-          </a:stretch>
-        </p:blipFill>
-        <p:spPr>
-          <a:xfrm>
-            <a:off x="3908440" y="1494394"/>
-            <a:ext cx="4155663" cy="5180726"/>
-          </a:xfrm>
-          <a:prstGeom prst="rect">
-            <a:avLst/>
-          </a:prstGeom>
-        </p:spPr>
-      </p:pic>
-    </p:spTree>
-    <p:extLst>
-      <p:ext uri="{BB962C8B-B14F-4D97-AF65-F5344CB8AC3E}">
-        <p14:creationId xmlns:p14="http://schemas.microsoft.com/office/powerpoint/2010/main" val="3311019704"/>
-      </p:ext>
-    </p:extLst>
-  </p:cSld>
-  <p:clrMapOvr>
-    <a:masterClrMapping/>
-  </p:clrMapOvr>
-</p:sld>
-</file>
-
 <file path=ppt/slides/slide2.xml><?xml version="1.0" encoding="utf-8"?>
 <p:sld xmlns:a="http://schemas.openxmlformats.org/drawingml/2006/main" xmlns:r="http://schemas.openxmlformats.org/officeDocument/2006/relationships" xmlns:p="http://schemas.openxmlformats.org/presentationml/2006/main">
   <p:cSld>
@@ -8501,6 +8524,57 @@
           </a:p>
         </p:txBody>
       </p:sp>
+      <mc:AlternateContent xmlns:mc="http://schemas.openxmlformats.org/markup-compatibility/2006">
+        <mc:Choice xmlns:p14="http://schemas.microsoft.com/office/powerpoint/2010/main" Requires="p14">
+          <p:contentPart p14:bwMode="auto" r:id="rId2">
+            <p14:nvContentPartPr>
+              <p14:cNvPr id="2" name="Ink 1">
+                <a:extLst>
+                  <a:ext uri="{FF2B5EF4-FFF2-40B4-BE49-F238E27FC236}">
+                    <a16:creationId xmlns:a16="http://schemas.microsoft.com/office/drawing/2014/main" id="{9CE765F9-6270-44B5-4706-FDDE61C032DD}"/>
+                  </a:ext>
+                </a:extLst>
+              </p14:cNvPr>
+              <p14:cNvContentPartPr/>
+              <p14:nvPr/>
+            </p14:nvContentPartPr>
+            <p14:xfrm>
+              <a:off x="1128960" y="2300760"/>
+              <a:ext cx="6478920" cy="3343320"/>
+            </p14:xfrm>
+          </p:contentPart>
+        </mc:Choice>
+        <mc:Fallback>
+          <p:pic>
+            <p:nvPicPr>
+              <p:cNvPr id="2" name="Ink 1">
+                <a:extLst>
+                  <a:ext uri="{FF2B5EF4-FFF2-40B4-BE49-F238E27FC236}">
+                    <a16:creationId xmlns:a16="http://schemas.microsoft.com/office/drawing/2014/main" id="{9CE765F9-6270-44B5-4706-FDDE61C032DD}"/>
+                  </a:ext>
+                </a:extLst>
+              </p:cNvPr>
+              <p:cNvPicPr/>
+              <p:nvPr/>
+            </p:nvPicPr>
+            <p:blipFill>
+              <a:blip r:embed="rId3"/>
+              <a:stretch>
+                <a:fillRect/>
+              </a:stretch>
+            </p:blipFill>
+            <p:spPr>
+              <a:xfrm>
+                <a:off x="1119600" y="2291400"/>
+                <a:ext cx="6497640" cy="3362040"/>
+              </a:xfrm>
+              <a:prstGeom prst="rect">
+                <a:avLst/>
+              </a:prstGeom>
+            </p:spPr>
+          </p:pic>
+        </mc:Fallback>
+      </mc:AlternateContent>
     </p:spTree>
     <p:extLst>
       <p:ext uri="{BB962C8B-B14F-4D97-AF65-F5344CB8AC3E}">
@@ -8515,238 +8589,6 @@
 </file>
 
 <file path=ppt/slides/slide3.xml><?xml version="1.0" encoding="utf-8"?>
-<p:sld xmlns:a="http://schemas.openxmlformats.org/drawingml/2006/main" xmlns:r="http://schemas.openxmlformats.org/officeDocument/2006/relationships" xmlns:p="http://schemas.openxmlformats.org/presentationml/2006/main">
-  <p:cSld>
-    <p:spTree>
-      <p:nvGrpSpPr>
-        <p:cNvPr id="1" name=""/>
-        <p:cNvGrpSpPr/>
-        <p:nvPr/>
-      </p:nvGrpSpPr>
-      <p:grpSpPr>
-        <a:xfrm>
-          <a:off x="0" y="0"/>
-          <a:ext cx="0" cy="0"/>
-          <a:chOff x="0" y="0"/>
-          <a:chExt cx="0" cy="0"/>
-        </a:xfrm>
-      </p:grpSpPr>
-      <p:sp>
-        <p:nvSpPr>
-          <p:cNvPr id="99" name="TextBox 98">
-            <a:extLst>
-              <a:ext uri="{FF2B5EF4-FFF2-40B4-BE49-F238E27FC236}">
-                <a16:creationId xmlns:a16="http://schemas.microsoft.com/office/drawing/2014/main" id="{DEE41FE0-0A8D-1DC9-F3B7-E27F85C6DBB5}"/>
-              </a:ext>
-            </a:extLst>
-          </p:cNvPr>
-          <p:cNvSpPr txBox="1"/>
-          <p:nvPr/>
-        </p:nvSpPr>
-        <p:spPr>
-          <a:xfrm>
-            <a:off x="0" y="0"/>
-            <a:ext cx="12192000" cy="1569660"/>
-          </a:xfrm>
-          <a:prstGeom prst="rect">
-            <a:avLst/>
-          </a:prstGeom>
-          <a:noFill/>
-        </p:spPr>
-        <p:txBody>
-          <a:bodyPr wrap="square" rtlCol="0">
-            <a:spAutoFit/>
-          </a:bodyPr>
-          <a:lstStyle/>
-          <a:p>
-            <a:pPr algn="ctr"/>
-            <a:r>
-              <a:rPr lang="en-CA" sz="9600" dirty="0"/>
-              <a:t>Sorting</a:t>
-            </a:r>
-            <a:endParaRPr lang="en-AU" sz="9600" dirty="0"/>
-          </a:p>
-        </p:txBody>
-      </p:sp>
-      <p:sp>
-        <p:nvSpPr>
-          <p:cNvPr id="2" name="TextBox 1">
-            <a:extLst>
-              <a:ext uri="{FF2B5EF4-FFF2-40B4-BE49-F238E27FC236}">
-                <a16:creationId xmlns:a16="http://schemas.microsoft.com/office/drawing/2014/main" id="{C0C02DF1-F3EF-661E-9079-3F11107B3FBC}"/>
-              </a:ext>
-            </a:extLst>
-          </p:cNvPr>
-          <p:cNvSpPr txBox="1"/>
-          <p:nvPr/>
-        </p:nvSpPr>
-        <p:spPr>
-          <a:xfrm>
-            <a:off x="2286000" y="2039112"/>
-            <a:ext cx="3004092" cy="1015663"/>
-          </a:xfrm>
-          <a:prstGeom prst="rect">
-            <a:avLst/>
-          </a:prstGeom>
-          <a:noFill/>
-        </p:spPr>
-        <p:txBody>
-          <a:bodyPr wrap="none" rtlCol="0">
-            <a:spAutoFit/>
-          </a:bodyPr>
-          <a:lstStyle/>
-          <a:p>
-            <a:r>
-              <a:rPr lang="en-CA" sz="6000" dirty="0"/>
-              <a:t>unsorted</a:t>
-            </a:r>
-            <a:endParaRPr lang="en-AU" sz="6000" dirty="0"/>
-          </a:p>
-        </p:txBody>
-      </p:sp>
-      <p:sp>
-        <p:nvSpPr>
-          <p:cNvPr id="3" name="TextBox 2">
-            <a:extLst>
-              <a:ext uri="{FF2B5EF4-FFF2-40B4-BE49-F238E27FC236}">
-                <a16:creationId xmlns:a16="http://schemas.microsoft.com/office/drawing/2014/main" id="{74D935C5-DC59-C266-C680-30BE293F28EA}"/>
-              </a:ext>
-            </a:extLst>
-          </p:cNvPr>
-          <p:cNvSpPr txBox="1"/>
-          <p:nvPr/>
-        </p:nvSpPr>
-        <p:spPr>
-          <a:xfrm>
-            <a:off x="7139652" y="2029968"/>
-            <a:ext cx="2990562" cy="1015663"/>
-          </a:xfrm>
-          <a:prstGeom prst="rect">
-            <a:avLst/>
-          </a:prstGeom>
-          <a:noFill/>
-        </p:spPr>
-        <p:txBody>
-          <a:bodyPr wrap="none" rtlCol="0">
-            <a:spAutoFit/>
-          </a:bodyPr>
-          <a:lstStyle/>
-          <a:p>
-            <a:r>
-              <a:rPr lang="en-CA" sz="6000" dirty="0" err="1"/>
-              <a:t>denorstu</a:t>
-            </a:r>
-            <a:endParaRPr lang="en-AU" sz="6000" dirty="0"/>
-          </a:p>
-        </p:txBody>
-      </p:sp>
-      <p:sp>
-        <p:nvSpPr>
-          <p:cNvPr id="12" name="Arrow: Right 11">
-            <a:extLst>
-              <a:ext uri="{FF2B5EF4-FFF2-40B4-BE49-F238E27FC236}">
-                <a16:creationId xmlns:a16="http://schemas.microsoft.com/office/drawing/2014/main" id="{6830021A-3286-FD1C-A997-3ADF16AE4A9E}"/>
-              </a:ext>
-            </a:extLst>
-          </p:cNvPr>
-          <p:cNvSpPr/>
-          <p:nvPr/>
-        </p:nvSpPr>
-        <p:spPr>
-          <a:xfrm>
-            <a:off x="5689092" y="2404872"/>
-            <a:ext cx="1051560" cy="393192"/>
-          </a:xfrm>
-          <a:prstGeom prst="rightArrow">
-            <a:avLst/>
-          </a:prstGeom>
-        </p:spPr>
-        <p:style>
-          <a:lnRef idx="2">
-            <a:schemeClr val="accent1">
-              <a:shade val="50000"/>
-            </a:schemeClr>
-          </a:lnRef>
-          <a:fillRef idx="1">
-            <a:schemeClr val="accent1"/>
-          </a:fillRef>
-          <a:effectRef idx="0">
-            <a:schemeClr val="accent1"/>
-          </a:effectRef>
-          <a:fontRef idx="minor">
-            <a:schemeClr val="lt1"/>
-          </a:fontRef>
-        </p:style>
-        <p:txBody>
-          <a:bodyPr rtlCol="0" anchor="ctr"/>
-          <a:lstStyle/>
-          <a:p>
-            <a:pPr algn="ctr"/>
-            <a:endParaRPr lang="en-AU"/>
-          </a:p>
-        </p:txBody>
-      </p:sp>
-      <p:pic>
-        <p:nvPicPr>
-          <p:cNvPr id="1026" name="Picture 2">
-            <a:extLst>
-              <a:ext uri="{FF2B5EF4-FFF2-40B4-BE49-F238E27FC236}">
-                <a16:creationId xmlns:a16="http://schemas.microsoft.com/office/drawing/2014/main" id="{C86B5103-252B-E482-B3EB-1046C6E379EB}"/>
-              </a:ext>
-            </a:extLst>
-          </p:cNvPr>
-          <p:cNvPicPr>
-            <a:picLocks noChangeAspect="1" noChangeArrowheads="1"/>
-          </p:cNvPicPr>
-          <p:nvPr/>
-        </p:nvPicPr>
-        <p:blipFill>
-          <a:blip r:embed="rId2">
-            <a:extLst>
-              <a:ext uri="{28A0092B-C50C-407E-A947-70E740481C1C}">
-                <a14:useLocalDpi xmlns:a14="http://schemas.microsoft.com/office/drawing/2010/main" val="0"/>
-              </a:ext>
-            </a:extLst>
-          </a:blip>
-          <a:srcRect/>
-          <a:stretch>
-            <a:fillRect/>
-          </a:stretch>
-        </p:blipFill>
-        <p:spPr bwMode="auto">
-          <a:xfrm>
-            <a:off x="4776787" y="3721608"/>
-            <a:ext cx="2638425" cy="2447925"/>
-          </a:xfrm>
-          <a:prstGeom prst="rect">
-            <a:avLst/>
-          </a:prstGeom>
-          <a:noFill/>
-          <a:extLst>
-            <a:ext uri="{909E8E84-426E-40DD-AFC4-6F175D3DCCD1}">
-              <a14:hiddenFill xmlns:a14="http://schemas.microsoft.com/office/drawing/2010/main">
-                <a:solidFill>
-                  <a:srgbClr val="FFFFFF"/>
-                </a:solidFill>
-              </a14:hiddenFill>
-            </a:ext>
-          </a:extLst>
-        </p:spPr>
-      </p:pic>
-    </p:spTree>
-    <p:extLst>
-      <p:ext uri="{BB962C8B-B14F-4D97-AF65-F5344CB8AC3E}">
-        <p14:creationId xmlns:p14="http://schemas.microsoft.com/office/powerpoint/2010/main" val="494177007"/>
-      </p:ext>
-    </p:extLst>
-  </p:cSld>
-  <p:clrMapOvr>
-    <a:masterClrMapping/>
-  </p:clrMapOvr>
-</p:sld>
-</file>
-
-<file path=ppt/slides/slide4.xml><?xml version="1.0" encoding="utf-8"?>
 <p:sld xmlns:a="http://schemas.openxmlformats.org/drawingml/2006/main" xmlns:r="http://schemas.openxmlformats.org/officeDocument/2006/relationships" xmlns:p="http://schemas.openxmlformats.org/presentationml/2006/main">
   <p:cSld>
     <p:spTree>
@@ -10397,122 +10239,7 @@
 </p:sld>
 </file>
 
-<file path=ppt/slides/slide5.xml><?xml version="1.0" encoding="utf-8"?>
-<p:sld xmlns:a="http://schemas.openxmlformats.org/drawingml/2006/main" xmlns:r="http://schemas.openxmlformats.org/officeDocument/2006/relationships" xmlns:p="http://schemas.openxmlformats.org/presentationml/2006/main">
-  <p:cSld>
-    <p:spTree>
-      <p:nvGrpSpPr>
-        <p:cNvPr id="1" name=""/>
-        <p:cNvGrpSpPr/>
-        <p:nvPr/>
-      </p:nvGrpSpPr>
-      <p:grpSpPr>
-        <a:xfrm>
-          <a:off x="0" y="0"/>
-          <a:ext cx="0" cy="0"/>
-          <a:chOff x="0" y="0"/>
-          <a:chExt cx="0" cy="0"/>
-        </a:xfrm>
-      </p:grpSpPr>
-      <p:sp>
-        <p:nvSpPr>
-          <p:cNvPr id="42" name="TextBox 41">
-            <a:extLst>
-              <a:ext uri="{FF2B5EF4-FFF2-40B4-BE49-F238E27FC236}">
-                <a16:creationId xmlns:a16="http://schemas.microsoft.com/office/drawing/2014/main" id="{AC7441DA-3184-6241-2D7C-DB732551751C}"/>
-              </a:ext>
-            </a:extLst>
-          </p:cNvPr>
-          <p:cNvSpPr txBox="1"/>
-          <p:nvPr/>
-        </p:nvSpPr>
-        <p:spPr>
-          <a:xfrm>
-            <a:off x="0" y="-4142"/>
-            <a:ext cx="12192000" cy="1569660"/>
-          </a:xfrm>
-          <a:prstGeom prst="rect">
-            <a:avLst/>
-          </a:prstGeom>
-          <a:noFill/>
-        </p:spPr>
-        <p:txBody>
-          <a:bodyPr wrap="square" rtlCol="0">
-            <a:spAutoFit/>
-          </a:bodyPr>
-          <a:lstStyle/>
-          <a:p>
-            <a:pPr algn="ctr"/>
-            <a:r>
-              <a:rPr lang="en-CA" sz="9600" dirty="0"/>
-              <a:t>Notation</a:t>
-            </a:r>
-            <a:endParaRPr lang="en-AU" sz="9600" dirty="0"/>
-          </a:p>
-        </p:txBody>
-      </p:sp>
-      <p:sp>
-        <p:nvSpPr>
-          <p:cNvPr id="44" name="Rectangle 43">
-            <a:extLst>
-              <a:ext uri="{FF2B5EF4-FFF2-40B4-BE49-F238E27FC236}">
-                <a16:creationId xmlns:a16="http://schemas.microsoft.com/office/drawing/2014/main" id="{C8E06CB7-2BDB-9C39-A274-29E3E7FBE0DE}"/>
-              </a:ext>
-            </a:extLst>
-          </p:cNvPr>
-          <p:cNvSpPr/>
-          <p:nvPr/>
-        </p:nvSpPr>
-        <p:spPr>
-          <a:xfrm>
-            <a:off x="5526786" y="86974"/>
-            <a:ext cx="1138427" cy="7786747"/>
-          </a:xfrm>
-          <a:prstGeom prst="rect">
-            <a:avLst/>
-          </a:prstGeom>
-          <a:noFill/>
-        </p:spPr>
-        <p:txBody>
-          <a:bodyPr wrap="square" lIns="91440" tIns="45720" rIns="91440" bIns="45720">
-            <a:spAutoFit/>
-          </a:bodyPr>
-          <a:lstStyle/>
-          <a:p>
-            <a:pPr algn="ctr"/>
-            <a:r>
-              <a:rPr lang="en-US" sz="50000" b="0" cap="none" spc="0" dirty="0">
-                <a:ln w="0"/>
-                <a:solidFill>
-                  <a:schemeClr val="tx1"/>
-                </a:solidFill>
-                <a:effectLst>
-                  <a:outerShdw blurRad="38100" dist="19050" dir="2700000" algn="tl" rotWithShape="0">
-                    <a:schemeClr val="dk1">
-                      <a:alpha val="40000"/>
-                    </a:schemeClr>
-                  </a:outerShdw>
-                </a:effectLst>
-              </a:rPr>
-              <a:t>O</a:t>
-            </a:r>
-          </a:p>
-        </p:txBody>
-      </p:sp>
-    </p:spTree>
-    <p:extLst>
-      <p:ext uri="{BB962C8B-B14F-4D97-AF65-F5344CB8AC3E}">
-        <p14:creationId xmlns:p14="http://schemas.microsoft.com/office/powerpoint/2010/main" val="1048924034"/>
-      </p:ext>
-    </p:extLst>
-  </p:cSld>
-  <p:clrMapOvr>
-    <a:masterClrMapping/>
-  </p:clrMapOvr>
-</p:sld>
-</file>
-
-<file path=ppt/slides/slide6.xml><?xml version="1.0" encoding="utf-8"?>
+<file path=ppt/slides/slide4.xml><?xml version="1.0" encoding="utf-8"?>
 <p:sld xmlns:a="http://schemas.openxmlformats.org/drawingml/2006/main" xmlns:r="http://schemas.openxmlformats.org/officeDocument/2006/relationships" xmlns:p="http://schemas.openxmlformats.org/presentationml/2006/main">
   <p:cSld>
     <p:spTree>
@@ -10764,7 +10491,7 @@
 </p:sld>
 </file>
 
-<file path=ppt/slides/slide7.xml><?xml version="1.0" encoding="utf-8"?>
+<file path=ppt/slides/slide5.xml><?xml version="1.0" encoding="utf-8"?>
 <p:sld xmlns:a="http://schemas.openxmlformats.org/drawingml/2006/main" xmlns:r="http://schemas.openxmlformats.org/officeDocument/2006/relationships" xmlns:p="http://schemas.openxmlformats.org/presentationml/2006/main">
   <p:cSld>
     <p:spTree>
@@ -11052,7 +10779,7 @@
 </p:sld>
 </file>
 
-<file path=ppt/slides/slide8.xml><?xml version="1.0" encoding="utf-8"?>
+<file path=ppt/slides/slide6.xml><?xml version="1.0" encoding="utf-8"?>
 <p:sld xmlns:a="http://schemas.openxmlformats.org/drawingml/2006/main" xmlns:r="http://schemas.openxmlformats.org/officeDocument/2006/relationships" xmlns:p="http://schemas.openxmlformats.org/presentationml/2006/main">
   <p:cSld>
     <p:spTree>
@@ -11396,6 +11123,865 @@
 </p:sld>
 </file>
 
+<file path=ppt/slides/slide7.xml><?xml version="1.0" encoding="utf-8"?>
+<p:sld xmlns:a="http://schemas.openxmlformats.org/drawingml/2006/main" xmlns:r="http://schemas.openxmlformats.org/officeDocument/2006/relationships" xmlns:p="http://schemas.openxmlformats.org/presentationml/2006/main">
+  <p:cSld>
+    <p:spTree>
+      <p:nvGrpSpPr>
+        <p:cNvPr id="1" name=""/>
+        <p:cNvGrpSpPr/>
+        <p:nvPr/>
+      </p:nvGrpSpPr>
+      <p:grpSpPr>
+        <a:xfrm>
+          <a:off x="0" y="0"/>
+          <a:ext cx="0" cy="0"/>
+          <a:chOff x="0" y="0"/>
+          <a:chExt cx="0" cy="0"/>
+        </a:xfrm>
+      </p:grpSpPr>
+      <p:sp>
+        <p:nvSpPr>
+          <p:cNvPr id="4" name="Oval 3">
+            <a:extLst>
+              <a:ext uri="{FF2B5EF4-FFF2-40B4-BE49-F238E27FC236}">
+                <a16:creationId xmlns:a16="http://schemas.microsoft.com/office/drawing/2014/main" id="{D590928C-6761-D73D-5752-B13047092B4C}"/>
+              </a:ext>
+            </a:extLst>
+          </p:cNvPr>
+          <p:cNvSpPr/>
+          <p:nvPr/>
+        </p:nvSpPr>
+        <p:spPr>
+          <a:xfrm>
+            <a:off x="5708142" y="2350008"/>
+            <a:ext cx="530352" cy="466344"/>
+          </a:xfrm>
+          <a:prstGeom prst="ellipse">
+            <a:avLst/>
+          </a:prstGeom>
+          <a:noFill/>
+        </p:spPr>
+        <p:style>
+          <a:lnRef idx="2">
+            <a:schemeClr val="accent1">
+              <a:shade val="50000"/>
+            </a:schemeClr>
+          </a:lnRef>
+          <a:fillRef idx="1">
+            <a:schemeClr val="accent1"/>
+          </a:fillRef>
+          <a:effectRef idx="0">
+            <a:schemeClr val="accent1"/>
+          </a:effectRef>
+          <a:fontRef idx="minor">
+            <a:schemeClr val="lt1"/>
+          </a:fontRef>
+        </p:style>
+        <p:txBody>
+          <a:bodyPr rtlCol="0" anchor="ctr"/>
+          <a:lstStyle/>
+          <a:p>
+            <a:pPr algn="ctr"/>
+            <a:endParaRPr lang="en-AU"/>
+          </a:p>
+        </p:txBody>
+      </p:sp>
+      <p:sp>
+        <p:nvSpPr>
+          <p:cNvPr id="5" name="Oval 4">
+            <a:extLst>
+              <a:ext uri="{FF2B5EF4-FFF2-40B4-BE49-F238E27FC236}">
+                <a16:creationId xmlns:a16="http://schemas.microsoft.com/office/drawing/2014/main" id="{4D21FDAD-6473-D156-FA6E-FBFD3F6BB71F}"/>
+              </a:ext>
+            </a:extLst>
+          </p:cNvPr>
+          <p:cNvSpPr/>
+          <p:nvPr/>
+        </p:nvSpPr>
+        <p:spPr>
+          <a:xfrm>
+            <a:off x="4973574" y="3389376"/>
+            <a:ext cx="530352" cy="466344"/>
+          </a:xfrm>
+          <a:prstGeom prst="ellipse">
+            <a:avLst/>
+          </a:prstGeom>
+          <a:noFill/>
+        </p:spPr>
+        <p:style>
+          <a:lnRef idx="2">
+            <a:schemeClr val="accent1">
+              <a:shade val="50000"/>
+            </a:schemeClr>
+          </a:lnRef>
+          <a:fillRef idx="1">
+            <a:schemeClr val="accent1"/>
+          </a:fillRef>
+          <a:effectRef idx="0">
+            <a:schemeClr val="accent1"/>
+          </a:effectRef>
+          <a:fontRef idx="minor">
+            <a:schemeClr val="lt1"/>
+          </a:fontRef>
+        </p:style>
+        <p:txBody>
+          <a:bodyPr rtlCol="0" anchor="ctr"/>
+          <a:lstStyle/>
+          <a:p>
+            <a:pPr algn="ctr"/>
+            <a:endParaRPr lang="en-AU"/>
+          </a:p>
+        </p:txBody>
+      </p:sp>
+      <p:sp>
+        <p:nvSpPr>
+          <p:cNvPr id="6" name="Oval 5">
+            <a:extLst>
+              <a:ext uri="{FF2B5EF4-FFF2-40B4-BE49-F238E27FC236}">
+                <a16:creationId xmlns:a16="http://schemas.microsoft.com/office/drawing/2014/main" id="{F068B8CB-6CA6-7B35-AF61-463AF95DD87D}"/>
+              </a:ext>
+            </a:extLst>
+          </p:cNvPr>
+          <p:cNvSpPr/>
+          <p:nvPr/>
+        </p:nvSpPr>
+        <p:spPr>
+          <a:xfrm>
+            <a:off x="6361176" y="3389376"/>
+            <a:ext cx="530352" cy="466344"/>
+          </a:xfrm>
+          <a:prstGeom prst="ellipse">
+            <a:avLst/>
+          </a:prstGeom>
+          <a:noFill/>
+        </p:spPr>
+        <p:style>
+          <a:lnRef idx="2">
+            <a:schemeClr val="accent1">
+              <a:shade val="50000"/>
+            </a:schemeClr>
+          </a:lnRef>
+          <a:fillRef idx="1">
+            <a:schemeClr val="accent1"/>
+          </a:fillRef>
+          <a:effectRef idx="0">
+            <a:schemeClr val="accent1"/>
+          </a:effectRef>
+          <a:fontRef idx="minor">
+            <a:schemeClr val="lt1"/>
+          </a:fontRef>
+        </p:style>
+        <p:txBody>
+          <a:bodyPr rtlCol="0" anchor="ctr"/>
+          <a:lstStyle/>
+          <a:p>
+            <a:pPr algn="ctr"/>
+            <a:endParaRPr lang="en-AU"/>
+          </a:p>
+        </p:txBody>
+      </p:sp>
+      <p:sp>
+        <p:nvSpPr>
+          <p:cNvPr id="7" name="Oval 6">
+            <a:extLst>
+              <a:ext uri="{FF2B5EF4-FFF2-40B4-BE49-F238E27FC236}">
+                <a16:creationId xmlns:a16="http://schemas.microsoft.com/office/drawing/2014/main" id="{02C1AB57-22FC-1D20-DD25-738E126AAF8A}"/>
+              </a:ext>
+            </a:extLst>
+          </p:cNvPr>
+          <p:cNvSpPr/>
+          <p:nvPr/>
+        </p:nvSpPr>
+        <p:spPr>
+          <a:xfrm>
+            <a:off x="4443222" y="4294632"/>
+            <a:ext cx="530352" cy="466344"/>
+          </a:xfrm>
+          <a:prstGeom prst="ellipse">
+            <a:avLst/>
+          </a:prstGeom>
+          <a:noFill/>
+        </p:spPr>
+        <p:style>
+          <a:lnRef idx="2">
+            <a:schemeClr val="accent1">
+              <a:shade val="50000"/>
+            </a:schemeClr>
+          </a:lnRef>
+          <a:fillRef idx="1">
+            <a:schemeClr val="accent1"/>
+          </a:fillRef>
+          <a:effectRef idx="0">
+            <a:schemeClr val="accent1"/>
+          </a:effectRef>
+          <a:fontRef idx="minor">
+            <a:schemeClr val="lt1"/>
+          </a:fontRef>
+        </p:style>
+        <p:txBody>
+          <a:bodyPr rtlCol="0" anchor="ctr"/>
+          <a:lstStyle/>
+          <a:p>
+            <a:pPr algn="ctr"/>
+            <a:endParaRPr lang="en-AU"/>
+          </a:p>
+        </p:txBody>
+      </p:sp>
+      <p:sp>
+        <p:nvSpPr>
+          <p:cNvPr id="8" name="Oval 7">
+            <a:extLst>
+              <a:ext uri="{FF2B5EF4-FFF2-40B4-BE49-F238E27FC236}">
+                <a16:creationId xmlns:a16="http://schemas.microsoft.com/office/drawing/2014/main" id="{206B52C9-FE16-B9B1-D90B-CC6734737D5D}"/>
+              </a:ext>
+            </a:extLst>
+          </p:cNvPr>
+          <p:cNvSpPr/>
+          <p:nvPr/>
+        </p:nvSpPr>
+        <p:spPr>
+          <a:xfrm>
+            <a:off x="5469636" y="4294632"/>
+            <a:ext cx="530352" cy="466344"/>
+          </a:xfrm>
+          <a:prstGeom prst="ellipse">
+            <a:avLst/>
+          </a:prstGeom>
+          <a:noFill/>
+        </p:spPr>
+        <p:style>
+          <a:lnRef idx="2">
+            <a:schemeClr val="accent1">
+              <a:shade val="50000"/>
+            </a:schemeClr>
+          </a:lnRef>
+          <a:fillRef idx="1">
+            <a:schemeClr val="accent1"/>
+          </a:fillRef>
+          <a:effectRef idx="0">
+            <a:schemeClr val="accent1"/>
+          </a:effectRef>
+          <a:fontRef idx="minor">
+            <a:schemeClr val="lt1"/>
+          </a:fontRef>
+        </p:style>
+        <p:txBody>
+          <a:bodyPr rtlCol="0" anchor="ctr"/>
+          <a:lstStyle/>
+          <a:p>
+            <a:pPr algn="ctr"/>
+            <a:endParaRPr lang="en-AU"/>
+          </a:p>
+        </p:txBody>
+      </p:sp>
+      <p:sp>
+        <p:nvSpPr>
+          <p:cNvPr id="9" name="Oval 8">
+            <a:extLst>
+              <a:ext uri="{FF2B5EF4-FFF2-40B4-BE49-F238E27FC236}">
+                <a16:creationId xmlns:a16="http://schemas.microsoft.com/office/drawing/2014/main" id="{09D84776-AA36-B7F4-F8FB-7DB3EC7B0117}"/>
+              </a:ext>
+            </a:extLst>
+          </p:cNvPr>
+          <p:cNvSpPr/>
+          <p:nvPr/>
+        </p:nvSpPr>
+        <p:spPr>
+          <a:xfrm>
+            <a:off x="6987542" y="4294632"/>
+            <a:ext cx="530352" cy="466344"/>
+          </a:xfrm>
+          <a:prstGeom prst="ellipse">
+            <a:avLst/>
+          </a:prstGeom>
+          <a:noFill/>
+        </p:spPr>
+        <p:style>
+          <a:lnRef idx="2">
+            <a:schemeClr val="accent1">
+              <a:shade val="50000"/>
+            </a:schemeClr>
+          </a:lnRef>
+          <a:fillRef idx="1">
+            <a:schemeClr val="accent1"/>
+          </a:fillRef>
+          <a:effectRef idx="0">
+            <a:schemeClr val="accent1"/>
+          </a:effectRef>
+          <a:fontRef idx="minor">
+            <a:schemeClr val="lt1"/>
+          </a:fontRef>
+        </p:style>
+        <p:txBody>
+          <a:bodyPr rtlCol="0" anchor="ctr"/>
+          <a:lstStyle/>
+          <a:p>
+            <a:pPr algn="ctr"/>
+            <a:endParaRPr lang="en-AU"/>
+          </a:p>
+        </p:txBody>
+      </p:sp>
+      <p:sp>
+        <p:nvSpPr>
+          <p:cNvPr id="10" name="Oval 9">
+            <a:extLst>
+              <a:ext uri="{FF2B5EF4-FFF2-40B4-BE49-F238E27FC236}">
+                <a16:creationId xmlns:a16="http://schemas.microsoft.com/office/drawing/2014/main" id="{8BC5ADCD-DA3E-AA85-0284-49000CA85D0B}"/>
+              </a:ext>
+            </a:extLst>
+          </p:cNvPr>
+          <p:cNvSpPr/>
+          <p:nvPr/>
+        </p:nvSpPr>
+        <p:spPr>
+          <a:xfrm>
+            <a:off x="4939284" y="5199888"/>
+            <a:ext cx="530352" cy="466344"/>
+          </a:xfrm>
+          <a:prstGeom prst="ellipse">
+            <a:avLst/>
+          </a:prstGeom>
+          <a:noFill/>
+        </p:spPr>
+        <p:style>
+          <a:lnRef idx="2">
+            <a:schemeClr val="accent1">
+              <a:shade val="50000"/>
+            </a:schemeClr>
+          </a:lnRef>
+          <a:fillRef idx="1">
+            <a:schemeClr val="accent1"/>
+          </a:fillRef>
+          <a:effectRef idx="0">
+            <a:schemeClr val="accent1"/>
+          </a:effectRef>
+          <a:fontRef idx="minor">
+            <a:schemeClr val="lt1"/>
+          </a:fontRef>
+        </p:style>
+        <p:txBody>
+          <a:bodyPr rtlCol="0" anchor="ctr"/>
+          <a:lstStyle/>
+          <a:p>
+            <a:pPr algn="ctr"/>
+            <a:endParaRPr lang="en-AU"/>
+          </a:p>
+        </p:txBody>
+      </p:sp>
+      <p:sp>
+        <p:nvSpPr>
+          <p:cNvPr id="11" name="Oval 10">
+            <a:extLst>
+              <a:ext uri="{FF2B5EF4-FFF2-40B4-BE49-F238E27FC236}">
+                <a16:creationId xmlns:a16="http://schemas.microsoft.com/office/drawing/2014/main" id="{ACA8FB82-E3F8-035B-DD43-DEEB1E8A3ED1}"/>
+              </a:ext>
+            </a:extLst>
+          </p:cNvPr>
+          <p:cNvSpPr/>
+          <p:nvPr/>
+        </p:nvSpPr>
+        <p:spPr>
+          <a:xfrm>
+            <a:off x="5999988" y="5199888"/>
+            <a:ext cx="530352" cy="466344"/>
+          </a:xfrm>
+          <a:prstGeom prst="ellipse">
+            <a:avLst/>
+          </a:prstGeom>
+          <a:noFill/>
+        </p:spPr>
+        <p:style>
+          <a:lnRef idx="2">
+            <a:schemeClr val="accent1">
+              <a:shade val="50000"/>
+            </a:schemeClr>
+          </a:lnRef>
+          <a:fillRef idx="1">
+            <a:schemeClr val="accent1"/>
+          </a:fillRef>
+          <a:effectRef idx="0">
+            <a:schemeClr val="accent1"/>
+          </a:effectRef>
+          <a:fontRef idx="minor">
+            <a:schemeClr val="lt1"/>
+          </a:fontRef>
+        </p:style>
+        <p:txBody>
+          <a:bodyPr rtlCol="0" anchor="ctr"/>
+          <a:lstStyle/>
+          <a:p>
+            <a:pPr algn="ctr"/>
+            <a:endParaRPr lang="en-AU"/>
+          </a:p>
+        </p:txBody>
+      </p:sp>
+      <p:cxnSp>
+        <p:nvCxnSpPr>
+          <p:cNvPr id="13" name="Straight Arrow Connector 12">
+            <a:extLst>
+              <a:ext uri="{FF2B5EF4-FFF2-40B4-BE49-F238E27FC236}">
+                <a16:creationId xmlns:a16="http://schemas.microsoft.com/office/drawing/2014/main" id="{CD5FB6D9-7C31-32F3-557E-4ED5D573FBB7}"/>
+              </a:ext>
+            </a:extLst>
+          </p:cNvPr>
+          <p:cNvCxnSpPr>
+            <a:cxnSpLocks/>
+            <a:stCxn id="4" idx="3"/>
+            <a:endCxn id="5" idx="0"/>
+          </p:cNvCxnSpPr>
+          <p:nvPr/>
+        </p:nvCxnSpPr>
+        <p:spPr>
+          <a:xfrm flipH="1">
+            <a:off x="5238750" y="2748058"/>
+            <a:ext cx="547060" cy="641318"/>
+          </a:xfrm>
+          <a:prstGeom prst="straightConnector1">
+            <a:avLst/>
+          </a:prstGeom>
+          <a:ln>
+            <a:tailEnd type="triangle"/>
+          </a:ln>
+        </p:spPr>
+        <p:style>
+          <a:lnRef idx="1">
+            <a:schemeClr val="accent1"/>
+          </a:lnRef>
+          <a:fillRef idx="0">
+            <a:schemeClr val="accent1"/>
+          </a:fillRef>
+          <a:effectRef idx="0">
+            <a:schemeClr val="accent1"/>
+          </a:effectRef>
+          <a:fontRef idx="minor">
+            <a:schemeClr val="tx1"/>
+          </a:fontRef>
+        </p:style>
+      </p:cxnSp>
+      <p:cxnSp>
+        <p:nvCxnSpPr>
+          <p:cNvPr id="15" name="Straight Arrow Connector 14">
+            <a:extLst>
+              <a:ext uri="{FF2B5EF4-FFF2-40B4-BE49-F238E27FC236}">
+                <a16:creationId xmlns:a16="http://schemas.microsoft.com/office/drawing/2014/main" id="{C4FF3F74-5BAD-1913-2540-DD8F7AE63F0B}"/>
+              </a:ext>
+            </a:extLst>
+          </p:cNvPr>
+          <p:cNvCxnSpPr>
+            <a:cxnSpLocks/>
+            <a:stCxn id="4" idx="5"/>
+            <a:endCxn id="6" idx="0"/>
+          </p:cNvCxnSpPr>
+          <p:nvPr/>
+        </p:nvCxnSpPr>
+        <p:spPr>
+          <a:xfrm>
+            <a:off x="6160826" y="2748058"/>
+            <a:ext cx="465526" cy="641318"/>
+          </a:xfrm>
+          <a:prstGeom prst="straightConnector1">
+            <a:avLst/>
+          </a:prstGeom>
+          <a:ln>
+            <a:tailEnd type="triangle"/>
+          </a:ln>
+        </p:spPr>
+        <p:style>
+          <a:lnRef idx="1">
+            <a:schemeClr val="accent1"/>
+          </a:lnRef>
+          <a:fillRef idx="0">
+            <a:schemeClr val="accent1"/>
+          </a:fillRef>
+          <a:effectRef idx="0">
+            <a:schemeClr val="accent1"/>
+          </a:effectRef>
+          <a:fontRef idx="minor">
+            <a:schemeClr val="tx1"/>
+          </a:fontRef>
+        </p:style>
+      </p:cxnSp>
+      <p:cxnSp>
+        <p:nvCxnSpPr>
+          <p:cNvPr id="18" name="Straight Arrow Connector 17">
+            <a:extLst>
+              <a:ext uri="{FF2B5EF4-FFF2-40B4-BE49-F238E27FC236}">
+                <a16:creationId xmlns:a16="http://schemas.microsoft.com/office/drawing/2014/main" id="{A457DD98-CA48-B3B5-29B1-CE19AC889FB5}"/>
+              </a:ext>
+            </a:extLst>
+          </p:cNvPr>
+          <p:cNvCxnSpPr>
+            <a:cxnSpLocks/>
+            <a:stCxn id="5" idx="3"/>
+            <a:endCxn id="7" idx="0"/>
+          </p:cNvCxnSpPr>
+          <p:nvPr/>
+        </p:nvCxnSpPr>
+        <p:spPr>
+          <a:xfrm flipH="1">
+            <a:off x="4708398" y="3787426"/>
+            <a:ext cx="342844" cy="507206"/>
+          </a:xfrm>
+          <a:prstGeom prst="straightConnector1">
+            <a:avLst/>
+          </a:prstGeom>
+          <a:ln>
+            <a:tailEnd type="triangle"/>
+          </a:ln>
+        </p:spPr>
+        <p:style>
+          <a:lnRef idx="1">
+            <a:schemeClr val="accent1"/>
+          </a:lnRef>
+          <a:fillRef idx="0">
+            <a:schemeClr val="accent1"/>
+          </a:fillRef>
+          <a:effectRef idx="0">
+            <a:schemeClr val="accent1"/>
+          </a:effectRef>
+          <a:fontRef idx="minor">
+            <a:schemeClr val="tx1"/>
+          </a:fontRef>
+        </p:style>
+      </p:cxnSp>
+      <p:cxnSp>
+        <p:nvCxnSpPr>
+          <p:cNvPr id="21" name="Straight Arrow Connector 20">
+            <a:extLst>
+              <a:ext uri="{FF2B5EF4-FFF2-40B4-BE49-F238E27FC236}">
+                <a16:creationId xmlns:a16="http://schemas.microsoft.com/office/drawing/2014/main" id="{32B650A7-FD03-B741-A176-323152A06856}"/>
+              </a:ext>
+            </a:extLst>
+          </p:cNvPr>
+          <p:cNvCxnSpPr>
+            <a:cxnSpLocks/>
+            <a:stCxn id="5" idx="5"/>
+            <a:endCxn id="8" idx="0"/>
+          </p:cNvCxnSpPr>
+          <p:nvPr/>
+        </p:nvCxnSpPr>
+        <p:spPr>
+          <a:xfrm>
+            <a:off x="5426258" y="3787426"/>
+            <a:ext cx="308554" cy="507206"/>
+          </a:xfrm>
+          <a:prstGeom prst="straightConnector1">
+            <a:avLst/>
+          </a:prstGeom>
+          <a:ln>
+            <a:tailEnd type="triangle"/>
+          </a:ln>
+        </p:spPr>
+        <p:style>
+          <a:lnRef idx="1">
+            <a:schemeClr val="accent1"/>
+          </a:lnRef>
+          <a:fillRef idx="0">
+            <a:schemeClr val="accent1"/>
+          </a:fillRef>
+          <a:effectRef idx="0">
+            <a:schemeClr val="accent1"/>
+          </a:effectRef>
+          <a:fontRef idx="minor">
+            <a:schemeClr val="tx1"/>
+          </a:fontRef>
+        </p:style>
+      </p:cxnSp>
+      <p:cxnSp>
+        <p:nvCxnSpPr>
+          <p:cNvPr id="24" name="Straight Arrow Connector 23">
+            <a:extLst>
+              <a:ext uri="{FF2B5EF4-FFF2-40B4-BE49-F238E27FC236}">
+                <a16:creationId xmlns:a16="http://schemas.microsoft.com/office/drawing/2014/main" id="{C64D2BF5-1106-0ED6-6DE5-0D57B8E71B23}"/>
+              </a:ext>
+            </a:extLst>
+          </p:cNvPr>
+          <p:cNvCxnSpPr>
+            <a:cxnSpLocks/>
+            <a:stCxn id="6" idx="5"/>
+            <a:endCxn id="9" idx="0"/>
+          </p:cNvCxnSpPr>
+          <p:nvPr/>
+        </p:nvCxnSpPr>
+        <p:spPr>
+          <a:xfrm>
+            <a:off x="6813860" y="3787426"/>
+            <a:ext cx="438858" cy="507206"/>
+          </a:xfrm>
+          <a:prstGeom prst="straightConnector1">
+            <a:avLst/>
+          </a:prstGeom>
+          <a:ln>
+            <a:tailEnd type="triangle"/>
+          </a:ln>
+        </p:spPr>
+        <p:style>
+          <a:lnRef idx="1">
+            <a:schemeClr val="accent1"/>
+          </a:lnRef>
+          <a:fillRef idx="0">
+            <a:schemeClr val="accent1"/>
+          </a:fillRef>
+          <a:effectRef idx="0">
+            <a:schemeClr val="accent1"/>
+          </a:effectRef>
+          <a:fontRef idx="minor">
+            <a:schemeClr val="tx1"/>
+          </a:fontRef>
+        </p:style>
+      </p:cxnSp>
+      <p:cxnSp>
+        <p:nvCxnSpPr>
+          <p:cNvPr id="27" name="Straight Arrow Connector 26">
+            <a:extLst>
+              <a:ext uri="{FF2B5EF4-FFF2-40B4-BE49-F238E27FC236}">
+                <a16:creationId xmlns:a16="http://schemas.microsoft.com/office/drawing/2014/main" id="{AED6A91D-5AC3-DC55-C49F-42A32A454EAD}"/>
+              </a:ext>
+            </a:extLst>
+          </p:cNvPr>
+          <p:cNvCxnSpPr>
+            <a:cxnSpLocks/>
+            <a:stCxn id="8" idx="3"/>
+            <a:endCxn id="10" idx="0"/>
+          </p:cNvCxnSpPr>
+          <p:nvPr/>
+        </p:nvCxnSpPr>
+        <p:spPr>
+          <a:xfrm flipH="1">
+            <a:off x="5204460" y="4692682"/>
+            <a:ext cx="342844" cy="507206"/>
+          </a:xfrm>
+          <a:prstGeom prst="straightConnector1">
+            <a:avLst/>
+          </a:prstGeom>
+          <a:ln>
+            <a:tailEnd type="triangle"/>
+          </a:ln>
+        </p:spPr>
+        <p:style>
+          <a:lnRef idx="1">
+            <a:schemeClr val="accent1"/>
+          </a:lnRef>
+          <a:fillRef idx="0">
+            <a:schemeClr val="accent1"/>
+          </a:fillRef>
+          <a:effectRef idx="0">
+            <a:schemeClr val="accent1"/>
+          </a:effectRef>
+          <a:fontRef idx="minor">
+            <a:schemeClr val="tx1"/>
+          </a:fontRef>
+        </p:style>
+      </p:cxnSp>
+      <p:cxnSp>
+        <p:nvCxnSpPr>
+          <p:cNvPr id="30" name="Straight Arrow Connector 29">
+            <a:extLst>
+              <a:ext uri="{FF2B5EF4-FFF2-40B4-BE49-F238E27FC236}">
+                <a16:creationId xmlns:a16="http://schemas.microsoft.com/office/drawing/2014/main" id="{63564E9B-23C8-5E3A-C890-DFB6FD6067BE}"/>
+              </a:ext>
+            </a:extLst>
+          </p:cNvPr>
+          <p:cNvCxnSpPr>
+            <a:cxnSpLocks/>
+            <a:stCxn id="8" idx="5"/>
+            <a:endCxn id="11" idx="0"/>
+          </p:cNvCxnSpPr>
+          <p:nvPr/>
+        </p:nvCxnSpPr>
+        <p:spPr>
+          <a:xfrm>
+            <a:off x="5922320" y="4692682"/>
+            <a:ext cx="342844" cy="507206"/>
+          </a:xfrm>
+          <a:prstGeom prst="straightConnector1">
+            <a:avLst/>
+          </a:prstGeom>
+          <a:ln>
+            <a:tailEnd type="triangle"/>
+          </a:ln>
+        </p:spPr>
+        <p:style>
+          <a:lnRef idx="1">
+            <a:schemeClr val="accent1"/>
+          </a:lnRef>
+          <a:fillRef idx="0">
+            <a:schemeClr val="accent1"/>
+          </a:fillRef>
+          <a:effectRef idx="0">
+            <a:schemeClr val="accent1"/>
+          </a:effectRef>
+          <a:fontRef idx="minor">
+            <a:schemeClr val="tx1"/>
+          </a:fontRef>
+        </p:style>
+      </p:cxnSp>
+      <p:sp>
+        <p:nvSpPr>
+          <p:cNvPr id="3" name="TextBox 2">
+            <a:extLst>
+              <a:ext uri="{FF2B5EF4-FFF2-40B4-BE49-F238E27FC236}">
+                <a16:creationId xmlns:a16="http://schemas.microsoft.com/office/drawing/2014/main" id="{530F62F8-4C7E-F4FF-2D21-ACBA582904E8}"/>
+              </a:ext>
+            </a:extLst>
+          </p:cNvPr>
+          <p:cNvSpPr txBox="1"/>
+          <p:nvPr/>
+        </p:nvSpPr>
+        <p:spPr>
+          <a:xfrm>
+            <a:off x="0" y="-4142"/>
+            <a:ext cx="12192000" cy="1569660"/>
+          </a:xfrm>
+          <a:prstGeom prst="rect">
+            <a:avLst/>
+          </a:prstGeom>
+          <a:noFill/>
+        </p:spPr>
+        <p:txBody>
+          <a:bodyPr wrap="square" rtlCol="0">
+            <a:spAutoFit/>
+          </a:bodyPr>
+          <a:lstStyle/>
+          <a:p>
+            <a:pPr algn="ctr"/>
+            <a:r>
+              <a:rPr lang="en-CA" sz="9600" dirty="0"/>
+              <a:t>Trees</a:t>
+            </a:r>
+            <a:endParaRPr lang="en-AU" sz="9600" dirty="0"/>
+          </a:p>
+        </p:txBody>
+      </p:sp>
+    </p:spTree>
+    <p:extLst>
+      <p:ext uri="{BB962C8B-B14F-4D97-AF65-F5344CB8AC3E}">
+        <p14:creationId xmlns:p14="http://schemas.microsoft.com/office/powerpoint/2010/main" val="2902582709"/>
+      </p:ext>
+    </p:extLst>
+  </p:cSld>
+  <p:clrMapOvr>
+    <a:masterClrMapping/>
+  </p:clrMapOvr>
+</p:sld>
+</file>
+
+<file path=ppt/slides/slide8.xml><?xml version="1.0" encoding="utf-8"?>
+<p:sld xmlns:a="http://schemas.openxmlformats.org/drawingml/2006/main" xmlns:r="http://schemas.openxmlformats.org/officeDocument/2006/relationships" xmlns:p="http://schemas.openxmlformats.org/presentationml/2006/main">
+  <p:cSld>
+    <p:spTree>
+      <p:nvGrpSpPr>
+        <p:cNvPr id="1" name=""/>
+        <p:cNvGrpSpPr/>
+        <p:nvPr/>
+      </p:nvGrpSpPr>
+      <p:grpSpPr>
+        <a:xfrm>
+          <a:off x="0" y="0"/>
+          <a:ext cx="0" cy="0"/>
+          <a:chOff x="0" y="0"/>
+          <a:chExt cx="0" cy="0"/>
+        </a:xfrm>
+      </p:grpSpPr>
+      <p:sp>
+        <p:nvSpPr>
+          <p:cNvPr id="42" name="TextBox 41">
+            <a:extLst>
+              <a:ext uri="{FF2B5EF4-FFF2-40B4-BE49-F238E27FC236}">
+                <a16:creationId xmlns:a16="http://schemas.microsoft.com/office/drawing/2014/main" id="{AC7441DA-3184-6241-2D7C-DB732551751C}"/>
+              </a:ext>
+            </a:extLst>
+          </p:cNvPr>
+          <p:cNvSpPr txBox="1"/>
+          <p:nvPr/>
+        </p:nvSpPr>
+        <p:spPr>
+          <a:xfrm>
+            <a:off x="0" y="-4142"/>
+            <a:ext cx="12192000" cy="1569660"/>
+          </a:xfrm>
+          <a:prstGeom prst="rect">
+            <a:avLst/>
+          </a:prstGeom>
+          <a:noFill/>
+        </p:spPr>
+        <p:txBody>
+          <a:bodyPr wrap="square" rtlCol="0">
+            <a:spAutoFit/>
+          </a:bodyPr>
+          <a:lstStyle/>
+          <a:p>
+            <a:pPr algn="ctr"/>
+            <a:r>
+              <a:rPr lang="en-CA" sz="9600" dirty="0"/>
+              <a:t>Notation</a:t>
+            </a:r>
+            <a:endParaRPr lang="en-AU" sz="9600" dirty="0"/>
+          </a:p>
+        </p:txBody>
+      </p:sp>
+      <p:sp>
+        <p:nvSpPr>
+          <p:cNvPr id="44" name="Rectangle 43">
+            <a:extLst>
+              <a:ext uri="{FF2B5EF4-FFF2-40B4-BE49-F238E27FC236}">
+                <a16:creationId xmlns:a16="http://schemas.microsoft.com/office/drawing/2014/main" id="{C8E06CB7-2BDB-9C39-A274-29E3E7FBE0DE}"/>
+              </a:ext>
+            </a:extLst>
+          </p:cNvPr>
+          <p:cNvSpPr/>
+          <p:nvPr/>
+        </p:nvSpPr>
+        <p:spPr>
+          <a:xfrm>
+            <a:off x="5526786" y="86974"/>
+            <a:ext cx="1138427" cy="7786747"/>
+          </a:xfrm>
+          <a:prstGeom prst="rect">
+            <a:avLst/>
+          </a:prstGeom>
+          <a:noFill/>
+        </p:spPr>
+        <p:txBody>
+          <a:bodyPr wrap="square" lIns="91440" tIns="45720" rIns="91440" bIns="45720">
+            <a:spAutoFit/>
+          </a:bodyPr>
+          <a:lstStyle/>
+          <a:p>
+            <a:pPr algn="ctr"/>
+            <a:r>
+              <a:rPr lang="en-US" sz="50000" b="0" cap="none" spc="0" dirty="0">
+                <a:ln w="0"/>
+                <a:solidFill>
+                  <a:schemeClr val="tx1"/>
+                </a:solidFill>
+                <a:effectLst>
+                  <a:outerShdw blurRad="38100" dist="19050" dir="2700000" algn="tl" rotWithShape="0">
+                    <a:schemeClr val="dk1">
+                      <a:alpha val="40000"/>
+                    </a:schemeClr>
+                  </a:outerShdw>
+                </a:effectLst>
+              </a:rPr>
+              <a:t>O</a:t>
+            </a:r>
+          </a:p>
+        </p:txBody>
+      </p:sp>
+    </p:spTree>
+    <p:extLst>
+      <p:ext uri="{BB962C8B-B14F-4D97-AF65-F5344CB8AC3E}">
+        <p14:creationId xmlns:p14="http://schemas.microsoft.com/office/powerpoint/2010/main" val="1048924034"/>
+      </p:ext>
+    </p:extLst>
+  </p:cSld>
+  <p:clrMapOvr>
+    <a:masterClrMapping/>
+  </p:clrMapOvr>
+</p:sld>
+</file>
+
 <file path=ppt/slides/slide9.xml><?xml version="1.0" encoding="utf-8"?>
 <p:sld xmlns:a="http://schemas.openxmlformats.org/drawingml/2006/main" xmlns:r="http://schemas.openxmlformats.org/officeDocument/2006/relationships" xmlns:p="http://schemas.openxmlformats.org/presentationml/2006/main">
   <p:cSld>
@@ -11415,25 +12001,133 @@
       </p:grpSpPr>
       <p:sp>
         <p:nvSpPr>
-          <p:cNvPr id="4" name="Oval 3">
-            <a:extLst>
-              <a:ext uri="{FF2B5EF4-FFF2-40B4-BE49-F238E27FC236}">
-                <a16:creationId xmlns:a16="http://schemas.microsoft.com/office/drawing/2014/main" id="{D590928C-6761-D73D-5752-B13047092B4C}"/>
-              </a:ext>
-            </a:extLst>
-          </p:cNvPr>
-          <p:cNvSpPr/>
+          <p:cNvPr id="99" name="TextBox 98">
+            <a:extLst>
+              <a:ext uri="{FF2B5EF4-FFF2-40B4-BE49-F238E27FC236}">
+                <a16:creationId xmlns:a16="http://schemas.microsoft.com/office/drawing/2014/main" id="{DEE41FE0-0A8D-1DC9-F3B7-E27F85C6DBB5}"/>
+              </a:ext>
+            </a:extLst>
+          </p:cNvPr>
+          <p:cNvSpPr txBox="1"/>
           <p:nvPr/>
         </p:nvSpPr>
         <p:spPr>
           <a:xfrm>
-            <a:off x="5708142" y="2350008"/>
-            <a:ext cx="530352" cy="466344"/>
-          </a:xfrm>
-          <a:prstGeom prst="ellipse">
+            <a:off x="0" y="0"/>
+            <a:ext cx="12192000" cy="1569660"/>
+          </a:xfrm>
+          <a:prstGeom prst="rect">
             <a:avLst/>
           </a:prstGeom>
           <a:noFill/>
+        </p:spPr>
+        <p:txBody>
+          <a:bodyPr wrap="square" rtlCol="0">
+            <a:spAutoFit/>
+          </a:bodyPr>
+          <a:lstStyle/>
+          <a:p>
+            <a:pPr algn="ctr"/>
+            <a:r>
+              <a:rPr lang="en-CA" sz="9600" dirty="0"/>
+              <a:t>Sorting</a:t>
+            </a:r>
+            <a:endParaRPr lang="en-AU" sz="9600" dirty="0"/>
+          </a:p>
+        </p:txBody>
+      </p:sp>
+      <p:sp>
+        <p:nvSpPr>
+          <p:cNvPr id="2" name="TextBox 1">
+            <a:extLst>
+              <a:ext uri="{FF2B5EF4-FFF2-40B4-BE49-F238E27FC236}">
+                <a16:creationId xmlns:a16="http://schemas.microsoft.com/office/drawing/2014/main" id="{C0C02DF1-F3EF-661E-9079-3F11107B3FBC}"/>
+              </a:ext>
+            </a:extLst>
+          </p:cNvPr>
+          <p:cNvSpPr txBox="1"/>
+          <p:nvPr/>
+        </p:nvSpPr>
+        <p:spPr>
+          <a:xfrm>
+            <a:off x="2286000" y="2039112"/>
+            <a:ext cx="3004092" cy="1015663"/>
+          </a:xfrm>
+          <a:prstGeom prst="rect">
+            <a:avLst/>
+          </a:prstGeom>
+          <a:noFill/>
+        </p:spPr>
+        <p:txBody>
+          <a:bodyPr wrap="none" rtlCol="0">
+            <a:spAutoFit/>
+          </a:bodyPr>
+          <a:lstStyle/>
+          <a:p>
+            <a:r>
+              <a:rPr lang="en-CA" sz="6000" dirty="0"/>
+              <a:t>unsorted</a:t>
+            </a:r>
+            <a:endParaRPr lang="en-AU" sz="6000" dirty="0"/>
+          </a:p>
+        </p:txBody>
+      </p:sp>
+      <p:sp>
+        <p:nvSpPr>
+          <p:cNvPr id="3" name="TextBox 2">
+            <a:extLst>
+              <a:ext uri="{FF2B5EF4-FFF2-40B4-BE49-F238E27FC236}">
+                <a16:creationId xmlns:a16="http://schemas.microsoft.com/office/drawing/2014/main" id="{74D935C5-DC59-C266-C680-30BE293F28EA}"/>
+              </a:ext>
+            </a:extLst>
+          </p:cNvPr>
+          <p:cNvSpPr txBox="1"/>
+          <p:nvPr/>
+        </p:nvSpPr>
+        <p:spPr>
+          <a:xfrm>
+            <a:off x="7139652" y="2029968"/>
+            <a:ext cx="2990562" cy="1015663"/>
+          </a:xfrm>
+          <a:prstGeom prst="rect">
+            <a:avLst/>
+          </a:prstGeom>
+          <a:noFill/>
+        </p:spPr>
+        <p:txBody>
+          <a:bodyPr wrap="none" rtlCol="0">
+            <a:spAutoFit/>
+          </a:bodyPr>
+          <a:lstStyle/>
+          <a:p>
+            <a:r>
+              <a:rPr lang="en-CA" sz="6000" dirty="0" err="1"/>
+              <a:t>denorstu</a:t>
+            </a:r>
+            <a:endParaRPr lang="en-AU" sz="6000" dirty="0"/>
+          </a:p>
+        </p:txBody>
+      </p:sp>
+      <p:sp>
+        <p:nvSpPr>
+          <p:cNvPr id="12" name="Arrow: Right 11">
+            <a:extLst>
+              <a:ext uri="{FF2B5EF4-FFF2-40B4-BE49-F238E27FC236}">
+                <a16:creationId xmlns:a16="http://schemas.microsoft.com/office/drawing/2014/main" id="{6830021A-3286-FD1C-A997-3ADF16AE4A9E}"/>
+              </a:ext>
+            </a:extLst>
+          </p:cNvPr>
+          <p:cNvSpPr/>
+          <p:nvPr/>
+        </p:nvSpPr>
+        <p:spPr>
+          <a:xfrm>
+            <a:off x="5689092" y="2404872"/>
+            <a:ext cx="1051560" cy="393192"/>
+          </a:xfrm>
+          <a:prstGeom prst="rightArrow">
+            <a:avLst/>
+          </a:prstGeom>
         </p:spPr>
         <p:style>
           <a:lnRef idx="2">
@@ -11460,677 +12154,57 @@
           </a:p>
         </p:txBody>
       </p:sp>
-      <p:sp>
-        <p:nvSpPr>
-          <p:cNvPr id="5" name="Oval 4">
-            <a:extLst>
-              <a:ext uri="{FF2B5EF4-FFF2-40B4-BE49-F238E27FC236}">
-                <a16:creationId xmlns:a16="http://schemas.microsoft.com/office/drawing/2014/main" id="{4D21FDAD-6473-D156-FA6E-FBFD3F6BB71F}"/>
-              </a:ext>
-            </a:extLst>
-          </p:cNvPr>
-          <p:cNvSpPr/>
+      <p:pic>
+        <p:nvPicPr>
+          <p:cNvPr id="1026" name="Picture 2">
+            <a:extLst>
+              <a:ext uri="{FF2B5EF4-FFF2-40B4-BE49-F238E27FC236}">
+                <a16:creationId xmlns:a16="http://schemas.microsoft.com/office/drawing/2014/main" id="{C86B5103-252B-E482-B3EB-1046C6E379EB}"/>
+              </a:ext>
+            </a:extLst>
+          </p:cNvPr>
+          <p:cNvPicPr>
+            <a:picLocks noChangeAspect="1" noChangeArrowheads="1"/>
+          </p:cNvPicPr>
           <p:nvPr/>
-        </p:nvSpPr>
-        <p:spPr>
+        </p:nvPicPr>
+        <p:blipFill>
+          <a:blip r:embed="rId2">
+            <a:extLst>
+              <a:ext uri="{28A0092B-C50C-407E-A947-70E740481C1C}">
+                <a14:useLocalDpi xmlns:a14="http://schemas.microsoft.com/office/drawing/2010/main" val="0"/>
+              </a:ext>
+            </a:extLst>
+          </a:blip>
+          <a:srcRect/>
+          <a:stretch>
+            <a:fillRect/>
+          </a:stretch>
+        </p:blipFill>
+        <p:spPr bwMode="auto">
           <a:xfrm>
-            <a:off x="4973574" y="3389376"/>
-            <a:ext cx="530352" cy="466344"/>
-          </a:xfrm>
-          <a:prstGeom prst="ellipse">
-            <a:avLst/>
-          </a:prstGeom>
-          <a:noFill/>
-        </p:spPr>
-        <p:style>
-          <a:lnRef idx="2">
-            <a:schemeClr val="accent1">
-              <a:shade val="50000"/>
-            </a:schemeClr>
-          </a:lnRef>
-          <a:fillRef idx="1">
-            <a:schemeClr val="accent1"/>
-          </a:fillRef>
-          <a:effectRef idx="0">
-            <a:schemeClr val="accent1"/>
-          </a:effectRef>
-          <a:fontRef idx="minor">
-            <a:schemeClr val="lt1"/>
-          </a:fontRef>
-        </p:style>
-        <p:txBody>
-          <a:bodyPr rtlCol="0" anchor="ctr"/>
-          <a:lstStyle/>
-          <a:p>
-            <a:pPr algn="ctr"/>
-            <a:endParaRPr lang="en-AU"/>
-          </a:p>
-        </p:txBody>
-      </p:sp>
-      <p:sp>
-        <p:nvSpPr>
-          <p:cNvPr id="6" name="Oval 5">
-            <a:extLst>
-              <a:ext uri="{FF2B5EF4-FFF2-40B4-BE49-F238E27FC236}">
-                <a16:creationId xmlns:a16="http://schemas.microsoft.com/office/drawing/2014/main" id="{F068B8CB-6CA6-7B35-AF61-463AF95DD87D}"/>
-              </a:ext>
-            </a:extLst>
-          </p:cNvPr>
-          <p:cNvSpPr/>
-          <p:nvPr/>
-        </p:nvSpPr>
-        <p:spPr>
-          <a:xfrm>
-            <a:off x="6361176" y="3389376"/>
-            <a:ext cx="530352" cy="466344"/>
-          </a:xfrm>
-          <a:prstGeom prst="ellipse">
-            <a:avLst/>
-          </a:prstGeom>
-          <a:noFill/>
-        </p:spPr>
-        <p:style>
-          <a:lnRef idx="2">
-            <a:schemeClr val="accent1">
-              <a:shade val="50000"/>
-            </a:schemeClr>
-          </a:lnRef>
-          <a:fillRef idx="1">
-            <a:schemeClr val="accent1"/>
-          </a:fillRef>
-          <a:effectRef idx="0">
-            <a:schemeClr val="accent1"/>
-          </a:effectRef>
-          <a:fontRef idx="minor">
-            <a:schemeClr val="lt1"/>
-          </a:fontRef>
-        </p:style>
-        <p:txBody>
-          <a:bodyPr rtlCol="0" anchor="ctr"/>
-          <a:lstStyle/>
-          <a:p>
-            <a:pPr algn="ctr"/>
-            <a:endParaRPr lang="en-AU"/>
-          </a:p>
-        </p:txBody>
-      </p:sp>
-      <p:sp>
-        <p:nvSpPr>
-          <p:cNvPr id="7" name="Oval 6">
-            <a:extLst>
-              <a:ext uri="{FF2B5EF4-FFF2-40B4-BE49-F238E27FC236}">
-                <a16:creationId xmlns:a16="http://schemas.microsoft.com/office/drawing/2014/main" id="{02C1AB57-22FC-1D20-DD25-738E126AAF8A}"/>
-              </a:ext>
-            </a:extLst>
-          </p:cNvPr>
-          <p:cNvSpPr/>
-          <p:nvPr/>
-        </p:nvSpPr>
-        <p:spPr>
-          <a:xfrm>
-            <a:off x="4443222" y="4294632"/>
-            <a:ext cx="530352" cy="466344"/>
-          </a:xfrm>
-          <a:prstGeom prst="ellipse">
-            <a:avLst/>
-          </a:prstGeom>
-          <a:noFill/>
-        </p:spPr>
-        <p:style>
-          <a:lnRef idx="2">
-            <a:schemeClr val="accent1">
-              <a:shade val="50000"/>
-            </a:schemeClr>
-          </a:lnRef>
-          <a:fillRef idx="1">
-            <a:schemeClr val="accent1"/>
-          </a:fillRef>
-          <a:effectRef idx="0">
-            <a:schemeClr val="accent1"/>
-          </a:effectRef>
-          <a:fontRef idx="minor">
-            <a:schemeClr val="lt1"/>
-          </a:fontRef>
-        </p:style>
-        <p:txBody>
-          <a:bodyPr rtlCol="0" anchor="ctr"/>
-          <a:lstStyle/>
-          <a:p>
-            <a:pPr algn="ctr"/>
-            <a:endParaRPr lang="en-AU"/>
-          </a:p>
-        </p:txBody>
-      </p:sp>
-      <p:sp>
-        <p:nvSpPr>
-          <p:cNvPr id="8" name="Oval 7">
-            <a:extLst>
-              <a:ext uri="{FF2B5EF4-FFF2-40B4-BE49-F238E27FC236}">
-                <a16:creationId xmlns:a16="http://schemas.microsoft.com/office/drawing/2014/main" id="{206B52C9-FE16-B9B1-D90B-CC6734737D5D}"/>
-              </a:ext>
-            </a:extLst>
-          </p:cNvPr>
-          <p:cNvSpPr/>
-          <p:nvPr/>
-        </p:nvSpPr>
-        <p:spPr>
-          <a:xfrm>
-            <a:off x="5469636" y="4294632"/>
-            <a:ext cx="530352" cy="466344"/>
-          </a:xfrm>
-          <a:prstGeom prst="ellipse">
-            <a:avLst/>
-          </a:prstGeom>
-          <a:noFill/>
-        </p:spPr>
-        <p:style>
-          <a:lnRef idx="2">
-            <a:schemeClr val="accent1">
-              <a:shade val="50000"/>
-            </a:schemeClr>
-          </a:lnRef>
-          <a:fillRef idx="1">
-            <a:schemeClr val="accent1"/>
-          </a:fillRef>
-          <a:effectRef idx="0">
-            <a:schemeClr val="accent1"/>
-          </a:effectRef>
-          <a:fontRef idx="minor">
-            <a:schemeClr val="lt1"/>
-          </a:fontRef>
-        </p:style>
-        <p:txBody>
-          <a:bodyPr rtlCol="0" anchor="ctr"/>
-          <a:lstStyle/>
-          <a:p>
-            <a:pPr algn="ctr"/>
-            <a:endParaRPr lang="en-AU"/>
-          </a:p>
-        </p:txBody>
-      </p:sp>
-      <p:sp>
-        <p:nvSpPr>
-          <p:cNvPr id="9" name="Oval 8">
-            <a:extLst>
-              <a:ext uri="{FF2B5EF4-FFF2-40B4-BE49-F238E27FC236}">
-                <a16:creationId xmlns:a16="http://schemas.microsoft.com/office/drawing/2014/main" id="{09D84776-AA36-B7F4-F8FB-7DB3EC7B0117}"/>
-              </a:ext>
-            </a:extLst>
-          </p:cNvPr>
-          <p:cNvSpPr/>
-          <p:nvPr/>
-        </p:nvSpPr>
-        <p:spPr>
-          <a:xfrm>
-            <a:off x="6987542" y="4294632"/>
-            <a:ext cx="530352" cy="466344"/>
-          </a:xfrm>
-          <a:prstGeom prst="ellipse">
-            <a:avLst/>
-          </a:prstGeom>
-          <a:noFill/>
-        </p:spPr>
-        <p:style>
-          <a:lnRef idx="2">
-            <a:schemeClr val="accent1">
-              <a:shade val="50000"/>
-            </a:schemeClr>
-          </a:lnRef>
-          <a:fillRef idx="1">
-            <a:schemeClr val="accent1"/>
-          </a:fillRef>
-          <a:effectRef idx="0">
-            <a:schemeClr val="accent1"/>
-          </a:effectRef>
-          <a:fontRef idx="minor">
-            <a:schemeClr val="lt1"/>
-          </a:fontRef>
-        </p:style>
-        <p:txBody>
-          <a:bodyPr rtlCol="0" anchor="ctr"/>
-          <a:lstStyle/>
-          <a:p>
-            <a:pPr algn="ctr"/>
-            <a:endParaRPr lang="en-AU"/>
-          </a:p>
-        </p:txBody>
-      </p:sp>
-      <p:sp>
-        <p:nvSpPr>
-          <p:cNvPr id="10" name="Oval 9">
-            <a:extLst>
-              <a:ext uri="{FF2B5EF4-FFF2-40B4-BE49-F238E27FC236}">
-                <a16:creationId xmlns:a16="http://schemas.microsoft.com/office/drawing/2014/main" id="{8BC5ADCD-DA3E-AA85-0284-49000CA85D0B}"/>
-              </a:ext>
-            </a:extLst>
-          </p:cNvPr>
-          <p:cNvSpPr/>
-          <p:nvPr/>
-        </p:nvSpPr>
-        <p:spPr>
-          <a:xfrm>
-            <a:off x="4939284" y="5199888"/>
-            <a:ext cx="530352" cy="466344"/>
-          </a:xfrm>
-          <a:prstGeom prst="ellipse">
-            <a:avLst/>
-          </a:prstGeom>
-          <a:noFill/>
-        </p:spPr>
-        <p:style>
-          <a:lnRef idx="2">
-            <a:schemeClr val="accent1">
-              <a:shade val="50000"/>
-            </a:schemeClr>
-          </a:lnRef>
-          <a:fillRef idx="1">
-            <a:schemeClr val="accent1"/>
-          </a:fillRef>
-          <a:effectRef idx="0">
-            <a:schemeClr val="accent1"/>
-          </a:effectRef>
-          <a:fontRef idx="minor">
-            <a:schemeClr val="lt1"/>
-          </a:fontRef>
-        </p:style>
-        <p:txBody>
-          <a:bodyPr rtlCol="0" anchor="ctr"/>
-          <a:lstStyle/>
-          <a:p>
-            <a:pPr algn="ctr"/>
-            <a:endParaRPr lang="en-AU"/>
-          </a:p>
-        </p:txBody>
-      </p:sp>
-      <p:sp>
-        <p:nvSpPr>
-          <p:cNvPr id="11" name="Oval 10">
-            <a:extLst>
-              <a:ext uri="{FF2B5EF4-FFF2-40B4-BE49-F238E27FC236}">
-                <a16:creationId xmlns:a16="http://schemas.microsoft.com/office/drawing/2014/main" id="{ACA8FB82-E3F8-035B-DD43-DEEB1E8A3ED1}"/>
-              </a:ext>
-            </a:extLst>
-          </p:cNvPr>
-          <p:cNvSpPr/>
-          <p:nvPr/>
-        </p:nvSpPr>
-        <p:spPr>
-          <a:xfrm>
-            <a:off x="5999988" y="5199888"/>
-            <a:ext cx="530352" cy="466344"/>
-          </a:xfrm>
-          <a:prstGeom prst="ellipse">
-            <a:avLst/>
-          </a:prstGeom>
-          <a:noFill/>
-        </p:spPr>
-        <p:style>
-          <a:lnRef idx="2">
-            <a:schemeClr val="accent1">
-              <a:shade val="50000"/>
-            </a:schemeClr>
-          </a:lnRef>
-          <a:fillRef idx="1">
-            <a:schemeClr val="accent1"/>
-          </a:fillRef>
-          <a:effectRef idx="0">
-            <a:schemeClr val="accent1"/>
-          </a:effectRef>
-          <a:fontRef idx="minor">
-            <a:schemeClr val="lt1"/>
-          </a:fontRef>
-        </p:style>
-        <p:txBody>
-          <a:bodyPr rtlCol="0" anchor="ctr"/>
-          <a:lstStyle/>
-          <a:p>
-            <a:pPr algn="ctr"/>
-            <a:endParaRPr lang="en-AU"/>
-          </a:p>
-        </p:txBody>
-      </p:sp>
-      <p:cxnSp>
-        <p:nvCxnSpPr>
-          <p:cNvPr id="13" name="Straight Arrow Connector 12">
-            <a:extLst>
-              <a:ext uri="{FF2B5EF4-FFF2-40B4-BE49-F238E27FC236}">
-                <a16:creationId xmlns:a16="http://schemas.microsoft.com/office/drawing/2014/main" id="{CD5FB6D9-7C31-32F3-557E-4ED5D573FBB7}"/>
-              </a:ext>
-            </a:extLst>
-          </p:cNvPr>
-          <p:cNvCxnSpPr>
-            <a:cxnSpLocks/>
-            <a:stCxn id="4" idx="3"/>
-            <a:endCxn id="5" idx="0"/>
-          </p:cNvCxnSpPr>
-          <p:nvPr/>
-        </p:nvCxnSpPr>
-        <p:spPr>
-          <a:xfrm flipH="1">
-            <a:off x="5238750" y="2748058"/>
-            <a:ext cx="547060" cy="641318"/>
-          </a:xfrm>
-          <a:prstGeom prst="straightConnector1">
-            <a:avLst/>
-          </a:prstGeom>
-          <a:ln>
-            <a:tailEnd type="triangle"/>
-          </a:ln>
-        </p:spPr>
-        <p:style>
-          <a:lnRef idx="1">
-            <a:schemeClr val="accent1"/>
-          </a:lnRef>
-          <a:fillRef idx="0">
-            <a:schemeClr val="accent1"/>
-          </a:fillRef>
-          <a:effectRef idx="0">
-            <a:schemeClr val="accent1"/>
-          </a:effectRef>
-          <a:fontRef idx="minor">
-            <a:schemeClr val="tx1"/>
-          </a:fontRef>
-        </p:style>
-      </p:cxnSp>
-      <p:cxnSp>
-        <p:nvCxnSpPr>
-          <p:cNvPr id="15" name="Straight Arrow Connector 14">
-            <a:extLst>
-              <a:ext uri="{FF2B5EF4-FFF2-40B4-BE49-F238E27FC236}">
-                <a16:creationId xmlns:a16="http://schemas.microsoft.com/office/drawing/2014/main" id="{C4FF3F74-5BAD-1913-2540-DD8F7AE63F0B}"/>
-              </a:ext>
-            </a:extLst>
-          </p:cNvPr>
-          <p:cNvCxnSpPr>
-            <a:cxnSpLocks/>
-            <a:stCxn id="4" idx="5"/>
-            <a:endCxn id="6" idx="0"/>
-          </p:cNvCxnSpPr>
-          <p:nvPr/>
-        </p:nvCxnSpPr>
-        <p:spPr>
-          <a:xfrm>
-            <a:off x="6160826" y="2748058"/>
-            <a:ext cx="465526" cy="641318"/>
-          </a:xfrm>
-          <a:prstGeom prst="straightConnector1">
-            <a:avLst/>
-          </a:prstGeom>
-          <a:ln>
-            <a:tailEnd type="triangle"/>
-          </a:ln>
-        </p:spPr>
-        <p:style>
-          <a:lnRef idx="1">
-            <a:schemeClr val="accent1"/>
-          </a:lnRef>
-          <a:fillRef idx="0">
-            <a:schemeClr val="accent1"/>
-          </a:fillRef>
-          <a:effectRef idx="0">
-            <a:schemeClr val="accent1"/>
-          </a:effectRef>
-          <a:fontRef idx="minor">
-            <a:schemeClr val="tx1"/>
-          </a:fontRef>
-        </p:style>
-      </p:cxnSp>
-      <p:cxnSp>
-        <p:nvCxnSpPr>
-          <p:cNvPr id="18" name="Straight Arrow Connector 17">
-            <a:extLst>
-              <a:ext uri="{FF2B5EF4-FFF2-40B4-BE49-F238E27FC236}">
-                <a16:creationId xmlns:a16="http://schemas.microsoft.com/office/drawing/2014/main" id="{A457DD98-CA48-B3B5-29B1-CE19AC889FB5}"/>
-              </a:ext>
-            </a:extLst>
-          </p:cNvPr>
-          <p:cNvCxnSpPr>
-            <a:cxnSpLocks/>
-            <a:stCxn id="5" idx="3"/>
-            <a:endCxn id="7" idx="0"/>
-          </p:cNvCxnSpPr>
-          <p:nvPr/>
-        </p:nvCxnSpPr>
-        <p:spPr>
-          <a:xfrm flipH="1">
-            <a:off x="4708398" y="3787426"/>
-            <a:ext cx="342844" cy="507206"/>
-          </a:xfrm>
-          <a:prstGeom prst="straightConnector1">
-            <a:avLst/>
-          </a:prstGeom>
-          <a:ln>
-            <a:tailEnd type="triangle"/>
-          </a:ln>
-        </p:spPr>
-        <p:style>
-          <a:lnRef idx="1">
-            <a:schemeClr val="accent1"/>
-          </a:lnRef>
-          <a:fillRef idx="0">
-            <a:schemeClr val="accent1"/>
-          </a:fillRef>
-          <a:effectRef idx="0">
-            <a:schemeClr val="accent1"/>
-          </a:effectRef>
-          <a:fontRef idx="minor">
-            <a:schemeClr val="tx1"/>
-          </a:fontRef>
-        </p:style>
-      </p:cxnSp>
-      <p:cxnSp>
-        <p:nvCxnSpPr>
-          <p:cNvPr id="21" name="Straight Arrow Connector 20">
-            <a:extLst>
-              <a:ext uri="{FF2B5EF4-FFF2-40B4-BE49-F238E27FC236}">
-                <a16:creationId xmlns:a16="http://schemas.microsoft.com/office/drawing/2014/main" id="{32B650A7-FD03-B741-A176-323152A06856}"/>
-              </a:ext>
-            </a:extLst>
-          </p:cNvPr>
-          <p:cNvCxnSpPr>
-            <a:cxnSpLocks/>
-            <a:stCxn id="5" idx="5"/>
-            <a:endCxn id="8" idx="0"/>
-          </p:cNvCxnSpPr>
-          <p:nvPr/>
-        </p:nvCxnSpPr>
-        <p:spPr>
-          <a:xfrm>
-            <a:off x="5426258" y="3787426"/>
-            <a:ext cx="308554" cy="507206"/>
-          </a:xfrm>
-          <a:prstGeom prst="straightConnector1">
-            <a:avLst/>
-          </a:prstGeom>
-          <a:ln>
-            <a:tailEnd type="triangle"/>
-          </a:ln>
-        </p:spPr>
-        <p:style>
-          <a:lnRef idx="1">
-            <a:schemeClr val="accent1"/>
-          </a:lnRef>
-          <a:fillRef idx="0">
-            <a:schemeClr val="accent1"/>
-          </a:fillRef>
-          <a:effectRef idx="0">
-            <a:schemeClr val="accent1"/>
-          </a:effectRef>
-          <a:fontRef idx="minor">
-            <a:schemeClr val="tx1"/>
-          </a:fontRef>
-        </p:style>
-      </p:cxnSp>
-      <p:cxnSp>
-        <p:nvCxnSpPr>
-          <p:cNvPr id="24" name="Straight Arrow Connector 23">
-            <a:extLst>
-              <a:ext uri="{FF2B5EF4-FFF2-40B4-BE49-F238E27FC236}">
-                <a16:creationId xmlns:a16="http://schemas.microsoft.com/office/drawing/2014/main" id="{C64D2BF5-1106-0ED6-6DE5-0D57B8E71B23}"/>
-              </a:ext>
-            </a:extLst>
-          </p:cNvPr>
-          <p:cNvCxnSpPr>
-            <a:cxnSpLocks/>
-            <a:stCxn id="6" idx="5"/>
-            <a:endCxn id="9" idx="0"/>
-          </p:cNvCxnSpPr>
-          <p:nvPr/>
-        </p:nvCxnSpPr>
-        <p:spPr>
-          <a:xfrm>
-            <a:off x="6813860" y="3787426"/>
-            <a:ext cx="438858" cy="507206"/>
-          </a:xfrm>
-          <a:prstGeom prst="straightConnector1">
-            <a:avLst/>
-          </a:prstGeom>
-          <a:ln>
-            <a:tailEnd type="triangle"/>
-          </a:ln>
-        </p:spPr>
-        <p:style>
-          <a:lnRef idx="1">
-            <a:schemeClr val="accent1"/>
-          </a:lnRef>
-          <a:fillRef idx="0">
-            <a:schemeClr val="accent1"/>
-          </a:fillRef>
-          <a:effectRef idx="0">
-            <a:schemeClr val="accent1"/>
-          </a:effectRef>
-          <a:fontRef idx="minor">
-            <a:schemeClr val="tx1"/>
-          </a:fontRef>
-        </p:style>
-      </p:cxnSp>
-      <p:cxnSp>
-        <p:nvCxnSpPr>
-          <p:cNvPr id="27" name="Straight Arrow Connector 26">
-            <a:extLst>
-              <a:ext uri="{FF2B5EF4-FFF2-40B4-BE49-F238E27FC236}">
-                <a16:creationId xmlns:a16="http://schemas.microsoft.com/office/drawing/2014/main" id="{AED6A91D-5AC3-DC55-C49F-42A32A454EAD}"/>
-              </a:ext>
-            </a:extLst>
-          </p:cNvPr>
-          <p:cNvCxnSpPr>
-            <a:cxnSpLocks/>
-            <a:stCxn id="8" idx="3"/>
-            <a:endCxn id="10" idx="0"/>
-          </p:cNvCxnSpPr>
-          <p:nvPr/>
-        </p:nvCxnSpPr>
-        <p:spPr>
-          <a:xfrm flipH="1">
-            <a:off x="5204460" y="4692682"/>
-            <a:ext cx="342844" cy="507206"/>
-          </a:xfrm>
-          <a:prstGeom prst="straightConnector1">
-            <a:avLst/>
-          </a:prstGeom>
-          <a:ln>
-            <a:tailEnd type="triangle"/>
-          </a:ln>
-        </p:spPr>
-        <p:style>
-          <a:lnRef idx="1">
-            <a:schemeClr val="accent1"/>
-          </a:lnRef>
-          <a:fillRef idx="0">
-            <a:schemeClr val="accent1"/>
-          </a:fillRef>
-          <a:effectRef idx="0">
-            <a:schemeClr val="accent1"/>
-          </a:effectRef>
-          <a:fontRef idx="minor">
-            <a:schemeClr val="tx1"/>
-          </a:fontRef>
-        </p:style>
-      </p:cxnSp>
-      <p:cxnSp>
-        <p:nvCxnSpPr>
-          <p:cNvPr id="30" name="Straight Arrow Connector 29">
-            <a:extLst>
-              <a:ext uri="{FF2B5EF4-FFF2-40B4-BE49-F238E27FC236}">
-                <a16:creationId xmlns:a16="http://schemas.microsoft.com/office/drawing/2014/main" id="{63564E9B-23C8-5E3A-C890-DFB6FD6067BE}"/>
-              </a:ext>
-            </a:extLst>
-          </p:cNvPr>
-          <p:cNvCxnSpPr>
-            <a:cxnSpLocks/>
-            <a:stCxn id="8" idx="5"/>
-            <a:endCxn id="11" idx="0"/>
-          </p:cNvCxnSpPr>
-          <p:nvPr/>
-        </p:nvCxnSpPr>
-        <p:spPr>
-          <a:xfrm>
-            <a:off x="5922320" y="4692682"/>
-            <a:ext cx="342844" cy="507206"/>
-          </a:xfrm>
-          <a:prstGeom prst="straightConnector1">
-            <a:avLst/>
-          </a:prstGeom>
-          <a:ln>
-            <a:tailEnd type="triangle"/>
-          </a:ln>
-        </p:spPr>
-        <p:style>
-          <a:lnRef idx="1">
-            <a:schemeClr val="accent1"/>
-          </a:lnRef>
-          <a:fillRef idx="0">
-            <a:schemeClr val="accent1"/>
-          </a:fillRef>
-          <a:effectRef idx="0">
-            <a:schemeClr val="accent1"/>
-          </a:effectRef>
-          <a:fontRef idx="minor">
-            <a:schemeClr val="tx1"/>
-          </a:fontRef>
-        </p:style>
-      </p:cxnSp>
-      <p:sp>
-        <p:nvSpPr>
-          <p:cNvPr id="3" name="TextBox 2">
-            <a:extLst>
-              <a:ext uri="{FF2B5EF4-FFF2-40B4-BE49-F238E27FC236}">
-                <a16:creationId xmlns:a16="http://schemas.microsoft.com/office/drawing/2014/main" id="{530F62F8-4C7E-F4FF-2D21-ACBA582904E8}"/>
-              </a:ext>
-            </a:extLst>
-          </p:cNvPr>
-          <p:cNvSpPr txBox="1"/>
-          <p:nvPr/>
-        </p:nvSpPr>
-        <p:spPr>
-          <a:xfrm>
-            <a:off x="0" y="-4142"/>
-            <a:ext cx="12192000" cy="1569660"/>
+            <a:off x="4776787" y="3721608"/>
+            <a:ext cx="2638425" cy="2447925"/>
           </a:xfrm>
           <a:prstGeom prst="rect">
             <a:avLst/>
           </a:prstGeom>
           <a:noFill/>
-        </p:spPr>
-        <p:txBody>
-          <a:bodyPr wrap="square" rtlCol="0">
-            <a:spAutoFit/>
-          </a:bodyPr>
-          <a:lstStyle/>
-          <a:p>
-            <a:pPr algn="ctr"/>
-            <a:r>
-              <a:rPr lang="en-CA" sz="9600" dirty="0"/>
-              <a:t>Trees</a:t>
-            </a:r>
-            <a:endParaRPr lang="en-AU" sz="9600" dirty="0"/>
-          </a:p>
-        </p:txBody>
-      </p:sp>
+          <a:extLst>
+            <a:ext uri="{909E8E84-426E-40DD-AFC4-6F175D3DCCD1}">
+              <a14:hiddenFill xmlns:a14="http://schemas.microsoft.com/office/drawing/2010/main">
+                <a:solidFill>
+                  <a:srgbClr val="FFFFFF"/>
+                </a:solidFill>
+              </a14:hiddenFill>
+            </a:ext>
+          </a:extLst>
+        </p:spPr>
+      </p:pic>
     </p:spTree>
     <p:extLst>
       <p:ext uri="{BB962C8B-B14F-4D97-AF65-F5344CB8AC3E}">
-        <p14:creationId xmlns:p14="http://schemas.microsoft.com/office/powerpoint/2010/main" val="2902582709"/>
+        <p14:creationId xmlns:p14="http://schemas.microsoft.com/office/powerpoint/2010/main" val="494177007"/>
       </p:ext>
     </p:extLst>
   </p:cSld>
